--- a/Faysal/Weekly_Meeting_210430.pptx
+++ b/Faysal/Weekly_Meeting_210430.pptx
@@ -132,419 +132,16 @@
 </p:presentation>
 </file>
 
+<file path=ppt/revisionInfo.xml><?xml version="1.0" encoding="utf-8"?>
+<p1510:revInfo xmlns:a="http://schemas.openxmlformats.org/drawingml/2006/main" xmlns:r="http://schemas.openxmlformats.org/officeDocument/2006/relationships" xmlns:p1510="http://schemas.microsoft.com/office/powerpoint/2015/10/main">
+  <p1510:revLst>
+    <p1510:client id="{D1365D3E-4033-4BE9-A12E-BE65B8736970}" v="4" dt="2021-05-07T17:11:33.445"/>
+  </p1510:revLst>
+</p1510:revInfo>
+</file>
+
 <file path=ppt/changesInfos/changesInfo1.xml><?xml version="1.0" encoding="utf-8"?>
 <pc:chgInfo xmlns:a="http://schemas.openxmlformats.org/drawingml/2006/main" xmlns:r="http://schemas.openxmlformats.org/officeDocument/2006/relationships" xmlns:ac="http://schemas.microsoft.com/office/drawing/2013/main/command" xmlns:pc="http://schemas.microsoft.com/office/powerpoint/2013/main/command">
-  <pc:docChgLst>
-    <pc:chgData name="Md Kauser Ahmmed" userId="81e39d19-8d5c-4ffe-9a82-20799efac8e0" providerId="ADAL" clId="{3A55CCAE-749B-4817-8638-97B22656D31F}"/>
-    <pc:docChg chg="undo custSel mod addSld delSld modSld sldOrd">
-      <pc:chgData name="Md Kauser Ahmmed" userId="81e39d19-8d5c-4ffe-9a82-20799efac8e0" providerId="ADAL" clId="{3A55CCAE-749B-4817-8638-97B22656D31F}" dt="2020-09-18T17:29:01.843" v="942" actId="20577"/>
-      <pc:docMkLst>
-        <pc:docMk/>
-      </pc:docMkLst>
-      <pc:sldChg chg="modSp">
-        <pc:chgData name="Md Kauser Ahmmed" userId="81e39d19-8d5c-4ffe-9a82-20799efac8e0" providerId="ADAL" clId="{3A55CCAE-749B-4817-8638-97B22656D31F}" dt="2020-09-18T15:29:41.932" v="631" actId="20577"/>
-        <pc:sldMkLst>
-          <pc:docMk/>
-          <pc:sldMk cId="1659930921" sldId="256"/>
-        </pc:sldMkLst>
-        <pc:spChg chg="mod">
-          <ac:chgData name="Md Kauser Ahmmed" userId="81e39d19-8d5c-4ffe-9a82-20799efac8e0" providerId="ADAL" clId="{3A55CCAE-749B-4817-8638-97B22656D31F}" dt="2020-09-18T15:29:41.932" v="631" actId="20577"/>
-          <ac:spMkLst>
-            <pc:docMk/>
-            <pc:sldMk cId="1659930921" sldId="256"/>
-            <ac:spMk id="6" creationId="{1EEBDA52-BE46-433D-AB6E-4D2949F916FF}"/>
-          </ac:spMkLst>
-        </pc:spChg>
-      </pc:sldChg>
-      <pc:sldChg chg="addSp delSp modSp">
-        <pc:chgData name="Md Kauser Ahmmed" userId="81e39d19-8d5c-4ffe-9a82-20799efac8e0" providerId="ADAL" clId="{3A55CCAE-749B-4817-8638-97B22656D31F}" dt="2020-09-18T15:34:16.966" v="758" actId="26606"/>
-        <pc:sldMkLst>
-          <pc:docMk/>
-          <pc:sldMk cId="4056875156" sldId="259"/>
-        </pc:sldMkLst>
-        <pc:spChg chg="mod">
-          <ac:chgData name="Md Kauser Ahmmed" userId="81e39d19-8d5c-4ffe-9a82-20799efac8e0" providerId="ADAL" clId="{3A55CCAE-749B-4817-8638-97B22656D31F}" dt="2020-09-18T15:34:16.966" v="758" actId="26606"/>
-          <ac:spMkLst>
-            <pc:docMk/>
-            <pc:sldMk cId="4056875156" sldId="259"/>
-            <ac:spMk id="2" creationId="{45F2AC63-EFDA-4E7C-A71C-7D3EE46A34E8}"/>
-          </ac:spMkLst>
-        </pc:spChg>
-        <pc:spChg chg="del">
-          <ac:chgData name="Md Kauser Ahmmed" userId="81e39d19-8d5c-4ffe-9a82-20799efac8e0" providerId="ADAL" clId="{3A55CCAE-749B-4817-8638-97B22656D31F}" dt="2020-09-18T15:34:16.966" v="758" actId="26606"/>
-          <ac:spMkLst>
-            <pc:docMk/>
-            <pc:sldMk cId="4056875156" sldId="259"/>
-            <ac:spMk id="26" creationId="{53F29798-D584-4792-9B62-3F5F5C36D619}"/>
-          </ac:spMkLst>
-        </pc:spChg>
-        <pc:spChg chg="add">
-          <ac:chgData name="Md Kauser Ahmmed" userId="81e39d19-8d5c-4ffe-9a82-20799efac8e0" providerId="ADAL" clId="{3A55CCAE-749B-4817-8638-97B22656D31F}" dt="2020-09-18T15:34:16.966" v="758" actId="26606"/>
-          <ac:spMkLst>
-            <pc:docMk/>
-            <pc:sldMk cId="4056875156" sldId="259"/>
-            <ac:spMk id="31" creationId="{53F29798-D584-4792-9B62-3F5F5C36D619}"/>
-          </ac:spMkLst>
-        </pc:spChg>
-        <pc:picChg chg="add mod">
-          <ac:chgData name="Md Kauser Ahmmed" userId="81e39d19-8d5c-4ffe-9a82-20799efac8e0" providerId="ADAL" clId="{3A55CCAE-749B-4817-8638-97B22656D31F}" dt="2020-09-18T15:34:16.966" v="758" actId="26606"/>
-          <ac:picMkLst>
-            <pc:docMk/>
-            <pc:sldMk cId="4056875156" sldId="259"/>
-            <ac:picMk id="4" creationId="{6751950B-22EC-40E1-A4ED-E4FEC7C2E08A}"/>
-          </ac:picMkLst>
-        </pc:picChg>
-        <pc:picChg chg="del">
-          <ac:chgData name="Md Kauser Ahmmed" userId="81e39d19-8d5c-4ffe-9a82-20799efac8e0" providerId="ADAL" clId="{3A55CCAE-749B-4817-8638-97B22656D31F}" dt="2020-09-18T15:31:08.905" v="632" actId="478"/>
-          <ac:picMkLst>
-            <pc:docMk/>
-            <pc:sldMk cId="4056875156" sldId="259"/>
-            <ac:picMk id="8" creationId="{56610AC1-0979-421C-8184-70A320D5905D}"/>
-          </ac:picMkLst>
-        </pc:picChg>
-      </pc:sldChg>
-      <pc:sldChg chg="modSp">
-        <pc:chgData name="Md Kauser Ahmmed" userId="81e39d19-8d5c-4ffe-9a82-20799efac8e0" providerId="ADAL" clId="{3A55CCAE-749B-4817-8638-97B22656D31F}" dt="2020-09-18T17:29:01.843" v="942" actId="20577"/>
-        <pc:sldMkLst>
-          <pc:docMk/>
-          <pc:sldMk cId="1010047731" sldId="271"/>
-        </pc:sldMkLst>
-        <pc:spChg chg="mod">
-          <ac:chgData name="Md Kauser Ahmmed" userId="81e39d19-8d5c-4ffe-9a82-20799efac8e0" providerId="ADAL" clId="{3A55CCAE-749B-4817-8638-97B22656D31F}" dt="2020-09-18T17:29:01.843" v="942" actId="20577"/>
-          <ac:spMkLst>
-            <pc:docMk/>
-            <pc:sldMk cId="1010047731" sldId="271"/>
-            <ac:spMk id="3" creationId="{771893B1-979C-4E59-951A-F29EB496A9C1}"/>
-          </ac:spMkLst>
-        </pc:spChg>
-      </pc:sldChg>
-      <pc:sldChg chg="modSp">
-        <pc:chgData name="Md Kauser Ahmmed" userId="81e39d19-8d5c-4ffe-9a82-20799efac8e0" providerId="ADAL" clId="{3A55CCAE-749B-4817-8638-97B22656D31F}" dt="2020-09-17T21:36:16.253" v="137" actId="207"/>
-        <pc:sldMkLst>
-          <pc:docMk/>
-          <pc:sldMk cId="1493241202" sldId="289"/>
-        </pc:sldMkLst>
-        <pc:spChg chg="mod">
-          <ac:chgData name="Md Kauser Ahmmed" userId="81e39d19-8d5c-4ffe-9a82-20799efac8e0" providerId="ADAL" clId="{3A55CCAE-749B-4817-8638-97B22656D31F}" dt="2020-09-17T21:36:16.253" v="137" actId="207"/>
-          <ac:spMkLst>
-            <pc:docMk/>
-            <pc:sldMk cId="1493241202" sldId="289"/>
-            <ac:spMk id="3" creationId="{FAF7EFD8-937E-4485-A5BE-D7EBC0477783}"/>
-          </ac:spMkLst>
-        </pc:spChg>
-      </pc:sldChg>
-      <pc:sldChg chg="modSp">
-        <pc:chgData name="Md Kauser Ahmmed" userId="81e39d19-8d5c-4ffe-9a82-20799efac8e0" providerId="ADAL" clId="{3A55CCAE-749B-4817-8638-97B22656D31F}" dt="2020-09-17T21:37:05.602" v="141" actId="207"/>
-        <pc:sldMkLst>
-          <pc:docMk/>
-          <pc:sldMk cId="3625187802" sldId="290"/>
-        </pc:sldMkLst>
-        <pc:spChg chg="mod">
-          <ac:chgData name="Md Kauser Ahmmed" userId="81e39d19-8d5c-4ffe-9a82-20799efac8e0" providerId="ADAL" clId="{3A55CCAE-749B-4817-8638-97B22656D31F}" dt="2020-09-17T21:37:05.602" v="141" actId="207"/>
-          <ac:spMkLst>
-            <pc:docMk/>
-            <pc:sldMk cId="3625187802" sldId="290"/>
-            <ac:spMk id="3" creationId="{64F80B61-502D-47EC-86FD-28DA3D65A610}"/>
-          </ac:spMkLst>
-        </pc:spChg>
-      </pc:sldChg>
-      <pc:sldChg chg="addSp delSp modSp mod setBg">
-        <pc:chgData name="Md Kauser Ahmmed" userId="81e39d19-8d5c-4ffe-9a82-20799efac8e0" providerId="ADAL" clId="{3A55CCAE-749B-4817-8638-97B22656D31F}" dt="2020-09-18T15:33:54.208" v="753" actId="20577"/>
-        <pc:sldMkLst>
-          <pc:docMk/>
-          <pc:sldMk cId="2100237636" sldId="291"/>
-        </pc:sldMkLst>
-        <pc:spChg chg="mod">
-          <ac:chgData name="Md Kauser Ahmmed" userId="81e39d19-8d5c-4ffe-9a82-20799efac8e0" providerId="ADAL" clId="{3A55CCAE-749B-4817-8638-97B22656D31F}" dt="2020-09-18T15:33:54.208" v="753" actId="20577"/>
-          <ac:spMkLst>
-            <pc:docMk/>
-            <pc:sldMk cId="2100237636" sldId="291"/>
-            <ac:spMk id="2" creationId="{0F4F13B2-30BC-4B0B-A741-8B8608768A7A}"/>
-          </ac:spMkLst>
-        </pc:spChg>
-        <pc:spChg chg="add del mod">
-          <ac:chgData name="Md Kauser Ahmmed" userId="81e39d19-8d5c-4ffe-9a82-20799efac8e0" providerId="ADAL" clId="{3A55CCAE-749B-4817-8638-97B22656D31F}" dt="2020-09-18T15:32:10.063" v="682"/>
-          <ac:spMkLst>
-            <pc:docMk/>
-            <pc:sldMk cId="2100237636" sldId="291"/>
-            <ac:spMk id="4" creationId="{874B8331-545D-47C9-A842-E38A0D56197F}"/>
-          </ac:spMkLst>
-        </pc:spChg>
-        <pc:spChg chg="add del mod">
-          <ac:chgData name="Md Kauser Ahmmed" userId="81e39d19-8d5c-4ffe-9a82-20799efac8e0" providerId="ADAL" clId="{3A55CCAE-749B-4817-8638-97B22656D31F}" dt="2020-09-18T15:33:41.324" v="724" actId="931"/>
-          <ac:spMkLst>
-            <pc:docMk/>
-            <pc:sldMk cId="2100237636" sldId="291"/>
-            <ac:spMk id="8" creationId="{9FF7B78C-1554-4832-AA4D-76FAE062389E}"/>
-          </ac:spMkLst>
-        </pc:spChg>
-        <pc:spChg chg="add">
-          <ac:chgData name="Md Kauser Ahmmed" userId="81e39d19-8d5c-4ffe-9a82-20799efac8e0" providerId="ADAL" clId="{3A55CCAE-749B-4817-8638-97B22656D31F}" dt="2020-09-18T15:32:14.841" v="685" actId="26606"/>
-          <ac:spMkLst>
-            <pc:docMk/>
-            <pc:sldMk cId="2100237636" sldId="291"/>
-            <ac:spMk id="11" creationId="{53F29798-D584-4792-9B62-3F5F5C36D619}"/>
-          </ac:spMkLst>
-        </pc:spChg>
-        <pc:picChg chg="add del mod">
-          <ac:chgData name="Md Kauser Ahmmed" userId="81e39d19-8d5c-4ffe-9a82-20799efac8e0" providerId="ADAL" clId="{3A55CCAE-749B-4817-8638-97B22656D31F}" dt="2020-09-18T15:33:08.358" v="723" actId="478"/>
-          <ac:picMkLst>
-            <pc:docMk/>
-            <pc:sldMk cId="2100237636" sldId="291"/>
-            <ac:picMk id="6" creationId="{D00D91F7-03FF-4F52-B813-E8E5895C2E39}"/>
-          </ac:picMkLst>
-        </pc:picChg>
-        <pc:picChg chg="del">
-          <ac:chgData name="Md Kauser Ahmmed" userId="81e39d19-8d5c-4ffe-9a82-20799efac8e0" providerId="ADAL" clId="{3A55CCAE-749B-4817-8638-97B22656D31F}" dt="2020-09-18T15:32:08.486" v="681" actId="478"/>
-          <ac:picMkLst>
-            <pc:docMk/>
-            <pc:sldMk cId="2100237636" sldId="291"/>
-            <ac:picMk id="9" creationId="{BD83E123-E490-4504-8B6F-49AF8BFFF182}"/>
-          </ac:picMkLst>
-        </pc:picChg>
-        <pc:picChg chg="add mod">
-          <ac:chgData name="Md Kauser Ahmmed" userId="81e39d19-8d5c-4ffe-9a82-20799efac8e0" providerId="ADAL" clId="{3A55CCAE-749B-4817-8638-97B22656D31F}" dt="2020-09-18T15:33:42.821" v="726" actId="962"/>
-          <ac:picMkLst>
-            <pc:docMk/>
-            <pc:sldMk cId="2100237636" sldId="291"/>
-            <ac:picMk id="12" creationId="{A5D262B8-D0EB-40AE-A7E4-B47F2EC0997E}"/>
-          </ac:picMkLst>
-        </pc:picChg>
-      </pc:sldChg>
-      <pc:sldChg chg="del">
-        <pc:chgData name="Md Kauser Ahmmed" userId="81e39d19-8d5c-4ffe-9a82-20799efac8e0" providerId="ADAL" clId="{3A55CCAE-749B-4817-8638-97B22656D31F}" dt="2020-09-18T15:34:41.338" v="759" actId="2696"/>
-        <pc:sldMkLst>
-          <pc:docMk/>
-          <pc:sldMk cId="126425521" sldId="292"/>
-        </pc:sldMkLst>
-      </pc:sldChg>
-      <pc:sldChg chg="modSp add">
-        <pc:chgData name="Md Kauser Ahmmed" userId="81e39d19-8d5c-4ffe-9a82-20799efac8e0" providerId="ADAL" clId="{3A55CCAE-749B-4817-8638-97B22656D31F}" dt="2020-09-17T22:43:35.352" v="292" actId="20577"/>
-        <pc:sldMkLst>
-          <pc:docMk/>
-          <pc:sldMk cId="2643112249" sldId="293"/>
-        </pc:sldMkLst>
-        <pc:spChg chg="mod">
-          <ac:chgData name="Md Kauser Ahmmed" userId="81e39d19-8d5c-4ffe-9a82-20799efac8e0" providerId="ADAL" clId="{3A55CCAE-749B-4817-8638-97B22656D31F}" dt="2020-09-17T22:41:49.872" v="225" actId="20577"/>
-          <ac:spMkLst>
-            <pc:docMk/>
-            <pc:sldMk cId="2643112249" sldId="293"/>
-            <ac:spMk id="2" creationId="{C604CE27-EB50-4E58-AD2A-80973442D814}"/>
-          </ac:spMkLst>
-        </pc:spChg>
-        <pc:spChg chg="mod">
-          <ac:chgData name="Md Kauser Ahmmed" userId="81e39d19-8d5c-4ffe-9a82-20799efac8e0" providerId="ADAL" clId="{3A55CCAE-749B-4817-8638-97B22656D31F}" dt="2020-09-17T22:43:35.352" v="292" actId="20577"/>
-          <ac:spMkLst>
-            <pc:docMk/>
-            <pc:sldMk cId="2643112249" sldId="293"/>
-            <ac:spMk id="3" creationId="{6C58F653-65FA-4EAC-8F96-BB20CE60DAB0}"/>
-          </ac:spMkLst>
-        </pc:spChg>
-      </pc:sldChg>
-      <pc:sldChg chg="modSp add">
-        <pc:chgData name="Md Kauser Ahmmed" userId="81e39d19-8d5c-4ffe-9a82-20799efac8e0" providerId="ADAL" clId="{3A55CCAE-749B-4817-8638-97B22656D31F}" dt="2020-09-17T23:11:13.067" v="480" actId="20577"/>
-        <pc:sldMkLst>
-          <pc:docMk/>
-          <pc:sldMk cId="3806874064" sldId="294"/>
-        </pc:sldMkLst>
-        <pc:spChg chg="mod">
-          <ac:chgData name="Md Kauser Ahmmed" userId="81e39d19-8d5c-4ffe-9a82-20799efac8e0" providerId="ADAL" clId="{3A55CCAE-749B-4817-8638-97B22656D31F}" dt="2020-09-17T22:44:36.420" v="304" actId="20577"/>
-          <ac:spMkLst>
-            <pc:docMk/>
-            <pc:sldMk cId="3806874064" sldId="294"/>
-            <ac:spMk id="2" creationId="{41128F7E-AD1A-44EE-8E4F-107CA1BB7B58}"/>
-          </ac:spMkLst>
-        </pc:spChg>
-        <pc:spChg chg="mod">
-          <ac:chgData name="Md Kauser Ahmmed" userId="81e39d19-8d5c-4ffe-9a82-20799efac8e0" providerId="ADAL" clId="{3A55CCAE-749B-4817-8638-97B22656D31F}" dt="2020-09-17T23:11:13.067" v="480" actId="20577"/>
-          <ac:spMkLst>
-            <pc:docMk/>
-            <pc:sldMk cId="3806874064" sldId="294"/>
-            <ac:spMk id="3" creationId="{066E0E3E-8117-4A7C-895F-0A6C647DAA69}"/>
-          </ac:spMkLst>
-        </pc:spChg>
-      </pc:sldChg>
-      <pc:sldChg chg="addSp delSp modSp add">
-        <pc:chgData name="Md Kauser Ahmmed" userId="81e39d19-8d5c-4ffe-9a82-20799efac8e0" providerId="ADAL" clId="{3A55CCAE-749B-4817-8638-97B22656D31F}" dt="2020-09-18T15:38:14.367" v="864" actId="14100"/>
-        <pc:sldMkLst>
-          <pc:docMk/>
-          <pc:sldMk cId="1513331418" sldId="295"/>
-        </pc:sldMkLst>
-        <pc:spChg chg="mod">
-          <ac:chgData name="Md Kauser Ahmmed" userId="81e39d19-8d5c-4ffe-9a82-20799efac8e0" providerId="ADAL" clId="{3A55CCAE-749B-4817-8638-97B22656D31F}" dt="2020-09-18T15:37:49.045" v="862"/>
-          <ac:spMkLst>
-            <pc:docMk/>
-            <pc:sldMk cId="1513331418" sldId="295"/>
-            <ac:spMk id="2" creationId="{2EF97407-E221-4D0C-AEAF-23BC537FFDEE}"/>
-          </ac:spMkLst>
-        </pc:spChg>
-        <pc:spChg chg="del">
-          <ac:chgData name="Md Kauser Ahmmed" userId="81e39d19-8d5c-4ffe-9a82-20799efac8e0" providerId="ADAL" clId="{3A55CCAE-749B-4817-8638-97B22656D31F}" dt="2020-09-18T15:35:38.804" v="761" actId="931"/>
-          <ac:spMkLst>
-            <pc:docMk/>
-            <pc:sldMk cId="1513331418" sldId="295"/>
-            <ac:spMk id="3" creationId="{D3504309-BDF0-477B-A922-28456F92423F}"/>
-          </ac:spMkLst>
-        </pc:spChg>
-        <pc:picChg chg="add mod">
-          <ac:chgData name="Md Kauser Ahmmed" userId="81e39d19-8d5c-4ffe-9a82-20799efac8e0" providerId="ADAL" clId="{3A55CCAE-749B-4817-8638-97B22656D31F}" dt="2020-09-18T15:38:14.367" v="864" actId="14100"/>
-          <ac:picMkLst>
-            <pc:docMk/>
-            <pc:sldMk cId="1513331418" sldId="295"/>
-            <ac:picMk id="5" creationId="{F818A7FC-2579-4B83-9156-CD14163F6347}"/>
-          </ac:picMkLst>
-        </pc:picChg>
-      </pc:sldChg>
-      <pc:sldChg chg="addSp delSp modSp add mod setBg">
-        <pc:chgData name="Md Kauser Ahmmed" userId="81e39d19-8d5c-4ffe-9a82-20799efac8e0" providerId="ADAL" clId="{3A55CCAE-749B-4817-8638-97B22656D31F}" dt="2020-09-18T15:37:33.826" v="861" actId="26606"/>
-        <pc:sldMkLst>
-          <pc:docMk/>
-          <pc:sldMk cId="3201184893" sldId="296"/>
-        </pc:sldMkLst>
-        <pc:spChg chg="mod">
-          <ac:chgData name="Md Kauser Ahmmed" userId="81e39d19-8d5c-4ffe-9a82-20799efac8e0" providerId="ADAL" clId="{3A55CCAE-749B-4817-8638-97B22656D31F}" dt="2020-09-18T15:37:33.826" v="861" actId="26606"/>
-          <ac:spMkLst>
-            <pc:docMk/>
-            <pc:sldMk cId="3201184893" sldId="296"/>
-            <ac:spMk id="2" creationId="{4679E3EB-9298-4B04-B41B-9657247CEEAA}"/>
-          </ac:spMkLst>
-        </pc:spChg>
-        <pc:spChg chg="del">
-          <ac:chgData name="Md Kauser Ahmmed" userId="81e39d19-8d5c-4ffe-9a82-20799efac8e0" providerId="ADAL" clId="{3A55CCAE-749B-4817-8638-97B22656D31F}" dt="2020-09-18T15:37:11.320" v="817" actId="931"/>
-          <ac:spMkLst>
-            <pc:docMk/>
-            <pc:sldMk cId="3201184893" sldId="296"/>
-            <ac:spMk id="3" creationId="{7589C1DA-0C10-4C65-8E97-C4A859CB86E2}"/>
-          </ac:spMkLst>
-        </pc:spChg>
-        <pc:spChg chg="add">
-          <ac:chgData name="Md Kauser Ahmmed" userId="81e39d19-8d5c-4ffe-9a82-20799efac8e0" providerId="ADAL" clId="{3A55CCAE-749B-4817-8638-97B22656D31F}" dt="2020-09-18T15:37:33.826" v="861" actId="26606"/>
-          <ac:spMkLst>
-            <pc:docMk/>
-            <pc:sldMk cId="3201184893" sldId="296"/>
-            <ac:spMk id="10" creationId="{53F29798-D584-4792-9B62-3F5F5C36D619}"/>
-          </ac:spMkLst>
-        </pc:spChg>
-        <pc:picChg chg="add mod">
-          <ac:chgData name="Md Kauser Ahmmed" userId="81e39d19-8d5c-4ffe-9a82-20799efac8e0" providerId="ADAL" clId="{3A55CCAE-749B-4817-8638-97B22656D31F}" dt="2020-09-18T15:37:33.826" v="861" actId="26606"/>
-          <ac:picMkLst>
-            <pc:docMk/>
-            <pc:sldMk cId="3201184893" sldId="296"/>
-            <ac:picMk id="5" creationId="{CA27098A-4165-4A86-A743-724745552C59}"/>
-          </ac:picMkLst>
-        </pc:picChg>
-      </pc:sldChg>
-      <pc:sldChg chg="addSp delSp modSp add ord">
-        <pc:chgData name="Md Kauser Ahmmed" userId="81e39d19-8d5c-4ffe-9a82-20799efac8e0" providerId="ADAL" clId="{3A55CCAE-749B-4817-8638-97B22656D31F}" dt="2020-09-18T15:40:09.415" v="921" actId="14100"/>
-        <pc:sldMkLst>
-          <pc:docMk/>
-          <pc:sldMk cId="3807525662" sldId="297"/>
-        </pc:sldMkLst>
-        <pc:spChg chg="mod">
-          <ac:chgData name="Md Kauser Ahmmed" userId="81e39d19-8d5c-4ffe-9a82-20799efac8e0" providerId="ADAL" clId="{3A55CCAE-749B-4817-8638-97B22656D31F}" dt="2020-09-18T15:38:59.509" v="914" actId="20577"/>
-          <ac:spMkLst>
-            <pc:docMk/>
-            <pc:sldMk cId="3807525662" sldId="297"/>
-            <ac:spMk id="2" creationId="{9E230CAA-F5A8-4858-BB51-764A66846420}"/>
-          </ac:spMkLst>
-        </pc:spChg>
-        <pc:spChg chg="del">
-          <ac:chgData name="Md Kauser Ahmmed" userId="81e39d19-8d5c-4ffe-9a82-20799efac8e0" providerId="ADAL" clId="{3A55CCAE-749B-4817-8638-97B22656D31F}" dt="2020-09-18T15:39:10.387" v="915" actId="931"/>
-          <ac:spMkLst>
-            <pc:docMk/>
-            <pc:sldMk cId="3807525662" sldId="297"/>
-            <ac:spMk id="3" creationId="{5A4F9894-CC31-40D4-95A8-ABD2016806F8}"/>
-          </ac:spMkLst>
-        </pc:spChg>
-        <pc:picChg chg="add mod">
-          <ac:chgData name="Md Kauser Ahmmed" userId="81e39d19-8d5c-4ffe-9a82-20799efac8e0" providerId="ADAL" clId="{3A55CCAE-749B-4817-8638-97B22656D31F}" dt="2020-09-18T15:40:09.415" v="921" actId="14100"/>
-          <ac:picMkLst>
-            <pc:docMk/>
-            <pc:sldMk cId="3807525662" sldId="297"/>
-            <ac:picMk id="5" creationId="{3E033F69-515D-48CA-A337-C51DA942D87F}"/>
-          </ac:picMkLst>
-        </pc:picChg>
-      </pc:sldChg>
-      <pc:sldChg chg="addSp delSp modSp add">
-        <pc:chgData name="Md Kauser Ahmmed" userId="81e39d19-8d5c-4ffe-9a82-20799efac8e0" providerId="ADAL" clId="{3A55CCAE-749B-4817-8638-97B22656D31F}" dt="2020-09-18T15:41:32.007" v="927" actId="14100"/>
-        <pc:sldMkLst>
-          <pc:docMk/>
-          <pc:sldMk cId="705476752" sldId="298"/>
-        </pc:sldMkLst>
-        <pc:spChg chg="mod">
-          <ac:chgData name="Md Kauser Ahmmed" userId="81e39d19-8d5c-4ffe-9a82-20799efac8e0" providerId="ADAL" clId="{3A55CCAE-749B-4817-8638-97B22656D31F}" dt="2020-09-18T15:39:58.812" v="920"/>
-          <ac:spMkLst>
-            <pc:docMk/>
-            <pc:sldMk cId="705476752" sldId="298"/>
-            <ac:spMk id="2" creationId="{6883D339-FDDE-4E8E-B654-A4D896D93106}"/>
-          </ac:spMkLst>
-        </pc:spChg>
-        <pc:spChg chg="add del">
-          <ac:chgData name="Md Kauser Ahmmed" userId="81e39d19-8d5c-4ffe-9a82-20799efac8e0" providerId="ADAL" clId="{3A55CCAE-749B-4817-8638-97B22656D31F}" dt="2020-09-18T15:40:55.751" v="924" actId="931"/>
-          <ac:spMkLst>
-            <pc:docMk/>
-            <pc:sldMk cId="705476752" sldId="298"/>
-            <ac:spMk id="3" creationId="{D0852596-C9B0-4CA4-8B57-52A2D2058BE8}"/>
-          </ac:spMkLst>
-        </pc:spChg>
-        <pc:picChg chg="add del mod">
-          <ac:chgData name="Md Kauser Ahmmed" userId="81e39d19-8d5c-4ffe-9a82-20799efac8e0" providerId="ADAL" clId="{3A55CCAE-749B-4817-8638-97B22656D31F}" dt="2020-09-18T15:40:51.006" v="923" actId="931"/>
-          <ac:picMkLst>
-            <pc:docMk/>
-            <pc:sldMk cId="705476752" sldId="298"/>
-            <ac:picMk id="5" creationId="{F3D5934A-936B-4B96-A866-A5B1B6329379}"/>
-          </ac:picMkLst>
-        </pc:picChg>
-        <pc:picChg chg="add mod">
-          <ac:chgData name="Md Kauser Ahmmed" userId="81e39d19-8d5c-4ffe-9a82-20799efac8e0" providerId="ADAL" clId="{3A55CCAE-749B-4817-8638-97B22656D31F}" dt="2020-09-18T15:41:32.007" v="927" actId="14100"/>
-          <ac:picMkLst>
-            <pc:docMk/>
-            <pc:sldMk cId="705476752" sldId="298"/>
-            <ac:picMk id="7" creationId="{302750BE-E081-45B3-9336-07BB22507ECB}"/>
-          </ac:picMkLst>
-        </pc:picChg>
-      </pc:sldChg>
-      <pc:sldChg chg="addSp delSp modSp add mod setBg">
-        <pc:chgData name="Md Kauser Ahmmed" userId="81e39d19-8d5c-4ffe-9a82-20799efac8e0" providerId="ADAL" clId="{3A55CCAE-749B-4817-8638-97B22656D31F}" dt="2020-09-18T16:30:40.735" v="940" actId="20577"/>
-        <pc:sldMkLst>
-          <pc:docMk/>
-          <pc:sldMk cId="2179309757" sldId="299"/>
-        </pc:sldMkLst>
-        <pc:spChg chg="mod">
-          <ac:chgData name="Md Kauser Ahmmed" userId="81e39d19-8d5c-4ffe-9a82-20799efac8e0" providerId="ADAL" clId="{3A55CCAE-749B-4817-8638-97B22656D31F}" dt="2020-09-18T16:30:40.735" v="940" actId="20577"/>
-          <ac:spMkLst>
-            <pc:docMk/>
-            <pc:sldMk cId="2179309757" sldId="299"/>
-            <ac:spMk id="2" creationId="{284849D0-B00B-41F8-A8DC-CF09038960BF}"/>
-          </ac:spMkLst>
-        </pc:spChg>
-        <pc:spChg chg="del">
-          <ac:chgData name="Md Kauser Ahmmed" userId="81e39d19-8d5c-4ffe-9a82-20799efac8e0" providerId="ADAL" clId="{3A55CCAE-749B-4817-8638-97B22656D31F}" dt="2020-09-18T16:30:27.228" v="936"/>
-          <ac:spMkLst>
-            <pc:docMk/>
-            <pc:sldMk cId="2179309757" sldId="299"/>
-            <ac:spMk id="3" creationId="{7AF86B43-08EF-4209-AA89-C3DBA6DF7637}"/>
-          </ac:spMkLst>
-        </pc:spChg>
-        <pc:spChg chg="add">
-          <ac:chgData name="Md Kauser Ahmmed" userId="81e39d19-8d5c-4ffe-9a82-20799efac8e0" providerId="ADAL" clId="{3A55CCAE-749B-4817-8638-97B22656D31F}" dt="2020-09-18T16:30:30.922" v="937" actId="26606"/>
-          <ac:spMkLst>
-            <pc:docMk/>
-            <pc:sldMk cId="2179309757" sldId="299"/>
-            <ac:spMk id="9" creationId="{53F29798-D584-4792-9B62-3F5F5C36D619}"/>
-          </ac:spMkLst>
-        </pc:spChg>
-        <pc:graphicFrameChg chg="add mod modGraphic">
-          <ac:chgData name="Md Kauser Ahmmed" userId="81e39d19-8d5c-4ffe-9a82-20799efac8e0" providerId="ADAL" clId="{3A55CCAE-749B-4817-8638-97B22656D31F}" dt="2020-09-18T16:30:30.922" v="937" actId="26606"/>
-          <ac:graphicFrameMkLst>
-            <pc:docMk/>
-            <pc:sldMk cId="2179309757" sldId="299"/>
-            <ac:graphicFrameMk id="4" creationId="{C11BA0E5-C2A0-48A5-A877-2B6C33792D4F}"/>
-          </ac:graphicFrameMkLst>
-        </pc:graphicFrameChg>
-      </pc:sldChg>
-    </pc:docChg>
-  </pc:docChgLst>
   <pc:docChgLst>
     <pc:chgData name="Md Kauser Ahmmed" userId="81e39d19-8d5c-4ffe-9a82-20799efac8e0" providerId="ADAL" clId="{5C14BA9A-C8CE-4A78-B23A-75368C2A47D9}"/>
     <pc:docChg chg="undo custSel mod addSld delSld modSld sldOrd">
@@ -1221,6 +818,838 @@
     </pc:docChg>
   </pc:docChgLst>
   <pc:docChgLst>
+    <pc:chgData name="Md Kauser Ahmmed" userId="81e39d19-8d5c-4ffe-9a82-20799efac8e0" providerId="ADAL" clId="{3A55CCAE-749B-4817-8638-97B22656D31F}"/>
+    <pc:docChg chg="undo custSel mod addSld delSld modSld sldOrd">
+      <pc:chgData name="Md Kauser Ahmmed" userId="81e39d19-8d5c-4ffe-9a82-20799efac8e0" providerId="ADAL" clId="{3A55CCAE-749B-4817-8638-97B22656D31F}" dt="2020-09-18T17:29:01.843" v="942" actId="20577"/>
+      <pc:docMkLst>
+        <pc:docMk/>
+      </pc:docMkLst>
+      <pc:sldChg chg="modSp">
+        <pc:chgData name="Md Kauser Ahmmed" userId="81e39d19-8d5c-4ffe-9a82-20799efac8e0" providerId="ADAL" clId="{3A55CCAE-749B-4817-8638-97B22656D31F}" dt="2020-09-18T15:29:41.932" v="631" actId="20577"/>
+        <pc:sldMkLst>
+          <pc:docMk/>
+          <pc:sldMk cId="1659930921" sldId="256"/>
+        </pc:sldMkLst>
+        <pc:spChg chg="mod">
+          <ac:chgData name="Md Kauser Ahmmed" userId="81e39d19-8d5c-4ffe-9a82-20799efac8e0" providerId="ADAL" clId="{3A55CCAE-749B-4817-8638-97B22656D31F}" dt="2020-09-18T15:29:41.932" v="631" actId="20577"/>
+          <ac:spMkLst>
+            <pc:docMk/>
+            <pc:sldMk cId="1659930921" sldId="256"/>
+            <ac:spMk id="6" creationId="{1EEBDA52-BE46-433D-AB6E-4D2949F916FF}"/>
+          </ac:spMkLst>
+        </pc:spChg>
+      </pc:sldChg>
+      <pc:sldChg chg="addSp delSp modSp">
+        <pc:chgData name="Md Kauser Ahmmed" userId="81e39d19-8d5c-4ffe-9a82-20799efac8e0" providerId="ADAL" clId="{3A55CCAE-749B-4817-8638-97B22656D31F}" dt="2020-09-18T15:34:16.966" v="758" actId="26606"/>
+        <pc:sldMkLst>
+          <pc:docMk/>
+          <pc:sldMk cId="4056875156" sldId="259"/>
+        </pc:sldMkLst>
+        <pc:spChg chg="mod">
+          <ac:chgData name="Md Kauser Ahmmed" userId="81e39d19-8d5c-4ffe-9a82-20799efac8e0" providerId="ADAL" clId="{3A55CCAE-749B-4817-8638-97B22656D31F}" dt="2020-09-18T15:34:16.966" v="758" actId="26606"/>
+          <ac:spMkLst>
+            <pc:docMk/>
+            <pc:sldMk cId="4056875156" sldId="259"/>
+            <ac:spMk id="2" creationId="{45F2AC63-EFDA-4E7C-A71C-7D3EE46A34E8}"/>
+          </ac:spMkLst>
+        </pc:spChg>
+        <pc:spChg chg="del">
+          <ac:chgData name="Md Kauser Ahmmed" userId="81e39d19-8d5c-4ffe-9a82-20799efac8e0" providerId="ADAL" clId="{3A55CCAE-749B-4817-8638-97B22656D31F}" dt="2020-09-18T15:34:16.966" v="758" actId="26606"/>
+          <ac:spMkLst>
+            <pc:docMk/>
+            <pc:sldMk cId="4056875156" sldId="259"/>
+            <ac:spMk id="26" creationId="{53F29798-D584-4792-9B62-3F5F5C36D619}"/>
+          </ac:spMkLst>
+        </pc:spChg>
+        <pc:spChg chg="add">
+          <ac:chgData name="Md Kauser Ahmmed" userId="81e39d19-8d5c-4ffe-9a82-20799efac8e0" providerId="ADAL" clId="{3A55CCAE-749B-4817-8638-97B22656D31F}" dt="2020-09-18T15:34:16.966" v="758" actId="26606"/>
+          <ac:spMkLst>
+            <pc:docMk/>
+            <pc:sldMk cId="4056875156" sldId="259"/>
+            <ac:spMk id="31" creationId="{53F29798-D584-4792-9B62-3F5F5C36D619}"/>
+          </ac:spMkLst>
+        </pc:spChg>
+        <pc:picChg chg="add mod">
+          <ac:chgData name="Md Kauser Ahmmed" userId="81e39d19-8d5c-4ffe-9a82-20799efac8e0" providerId="ADAL" clId="{3A55CCAE-749B-4817-8638-97B22656D31F}" dt="2020-09-18T15:34:16.966" v="758" actId="26606"/>
+          <ac:picMkLst>
+            <pc:docMk/>
+            <pc:sldMk cId="4056875156" sldId="259"/>
+            <ac:picMk id="4" creationId="{6751950B-22EC-40E1-A4ED-E4FEC7C2E08A}"/>
+          </ac:picMkLst>
+        </pc:picChg>
+        <pc:picChg chg="del">
+          <ac:chgData name="Md Kauser Ahmmed" userId="81e39d19-8d5c-4ffe-9a82-20799efac8e0" providerId="ADAL" clId="{3A55CCAE-749B-4817-8638-97B22656D31F}" dt="2020-09-18T15:31:08.905" v="632" actId="478"/>
+          <ac:picMkLst>
+            <pc:docMk/>
+            <pc:sldMk cId="4056875156" sldId="259"/>
+            <ac:picMk id="8" creationId="{56610AC1-0979-421C-8184-70A320D5905D}"/>
+          </ac:picMkLst>
+        </pc:picChg>
+      </pc:sldChg>
+      <pc:sldChg chg="modSp">
+        <pc:chgData name="Md Kauser Ahmmed" userId="81e39d19-8d5c-4ffe-9a82-20799efac8e0" providerId="ADAL" clId="{3A55CCAE-749B-4817-8638-97B22656D31F}" dt="2020-09-18T17:29:01.843" v="942" actId="20577"/>
+        <pc:sldMkLst>
+          <pc:docMk/>
+          <pc:sldMk cId="1010047731" sldId="271"/>
+        </pc:sldMkLst>
+        <pc:spChg chg="mod">
+          <ac:chgData name="Md Kauser Ahmmed" userId="81e39d19-8d5c-4ffe-9a82-20799efac8e0" providerId="ADAL" clId="{3A55CCAE-749B-4817-8638-97B22656D31F}" dt="2020-09-18T17:29:01.843" v="942" actId="20577"/>
+          <ac:spMkLst>
+            <pc:docMk/>
+            <pc:sldMk cId="1010047731" sldId="271"/>
+            <ac:spMk id="3" creationId="{771893B1-979C-4E59-951A-F29EB496A9C1}"/>
+          </ac:spMkLst>
+        </pc:spChg>
+      </pc:sldChg>
+      <pc:sldChg chg="modSp">
+        <pc:chgData name="Md Kauser Ahmmed" userId="81e39d19-8d5c-4ffe-9a82-20799efac8e0" providerId="ADAL" clId="{3A55CCAE-749B-4817-8638-97B22656D31F}" dt="2020-09-17T21:36:16.253" v="137" actId="207"/>
+        <pc:sldMkLst>
+          <pc:docMk/>
+          <pc:sldMk cId="1493241202" sldId="289"/>
+        </pc:sldMkLst>
+        <pc:spChg chg="mod">
+          <ac:chgData name="Md Kauser Ahmmed" userId="81e39d19-8d5c-4ffe-9a82-20799efac8e0" providerId="ADAL" clId="{3A55CCAE-749B-4817-8638-97B22656D31F}" dt="2020-09-17T21:36:16.253" v="137" actId="207"/>
+          <ac:spMkLst>
+            <pc:docMk/>
+            <pc:sldMk cId="1493241202" sldId="289"/>
+            <ac:spMk id="3" creationId="{FAF7EFD8-937E-4485-A5BE-D7EBC0477783}"/>
+          </ac:spMkLst>
+        </pc:spChg>
+      </pc:sldChg>
+      <pc:sldChg chg="modSp">
+        <pc:chgData name="Md Kauser Ahmmed" userId="81e39d19-8d5c-4ffe-9a82-20799efac8e0" providerId="ADAL" clId="{3A55CCAE-749B-4817-8638-97B22656D31F}" dt="2020-09-17T21:37:05.602" v="141" actId="207"/>
+        <pc:sldMkLst>
+          <pc:docMk/>
+          <pc:sldMk cId="3625187802" sldId="290"/>
+        </pc:sldMkLst>
+        <pc:spChg chg="mod">
+          <ac:chgData name="Md Kauser Ahmmed" userId="81e39d19-8d5c-4ffe-9a82-20799efac8e0" providerId="ADAL" clId="{3A55CCAE-749B-4817-8638-97B22656D31F}" dt="2020-09-17T21:37:05.602" v="141" actId="207"/>
+          <ac:spMkLst>
+            <pc:docMk/>
+            <pc:sldMk cId="3625187802" sldId="290"/>
+            <ac:spMk id="3" creationId="{64F80B61-502D-47EC-86FD-28DA3D65A610}"/>
+          </ac:spMkLst>
+        </pc:spChg>
+      </pc:sldChg>
+      <pc:sldChg chg="addSp delSp modSp mod setBg">
+        <pc:chgData name="Md Kauser Ahmmed" userId="81e39d19-8d5c-4ffe-9a82-20799efac8e0" providerId="ADAL" clId="{3A55CCAE-749B-4817-8638-97B22656D31F}" dt="2020-09-18T15:33:54.208" v="753" actId="20577"/>
+        <pc:sldMkLst>
+          <pc:docMk/>
+          <pc:sldMk cId="2100237636" sldId="291"/>
+        </pc:sldMkLst>
+        <pc:spChg chg="mod">
+          <ac:chgData name="Md Kauser Ahmmed" userId="81e39d19-8d5c-4ffe-9a82-20799efac8e0" providerId="ADAL" clId="{3A55CCAE-749B-4817-8638-97B22656D31F}" dt="2020-09-18T15:33:54.208" v="753" actId="20577"/>
+          <ac:spMkLst>
+            <pc:docMk/>
+            <pc:sldMk cId="2100237636" sldId="291"/>
+            <ac:spMk id="2" creationId="{0F4F13B2-30BC-4B0B-A741-8B8608768A7A}"/>
+          </ac:spMkLst>
+        </pc:spChg>
+        <pc:spChg chg="add del mod">
+          <ac:chgData name="Md Kauser Ahmmed" userId="81e39d19-8d5c-4ffe-9a82-20799efac8e0" providerId="ADAL" clId="{3A55CCAE-749B-4817-8638-97B22656D31F}" dt="2020-09-18T15:32:10.063" v="682"/>
+          <ac:spMkLst>
+            <pc:docMk/>
+            <pc:sldMk cId="2100237636" sldId="291"/>
+            <ac:spMk id="4" creationId="{874B8331-545D-47C9-A842-E38A0D56197F}"/>
+          </ac:spMkLst>
+        </pc:spChg>
+        <pc:spChg chg="add del mod">
+          <ac:chgData name="Md Kauser Ahmmed" userId="81e39d19-8d5c-4ffe-9a82-20799efac8e0" providerId="ADAL" clId="{3A55CCAE-749B-4817-8638-97B22656D31F}" dt="2020-09-18T15:33:41.324" v="724" actId="931"/>
+          <ac:spMkLst>
+            <pc:docMk/>
+            <pc:sldMk cId="2100237636" sldId="291"/>
+            <ac:spMk id="8" creationId="{9FF7B78C-1554-4832-AA4D-76FAE062389E}"/>
+          </ac:spMkLst>
+        </pc:spChg>
+        <pc:spChg chg="add">
+          <ac:chgData name="Md Kauser Ahmmed" userId="81e39d19-8d5c-4ffe-9a82-20799efac8e0" providerId="ADAL" clId="{3A55CCAE-749B-4817-8638-97B22656D31F}" dt="2020-09-18T15:32:14.841" v="685" actId="26606"/>
+          <ac:spMkLst>
+            <pc:docMk/>
+            <pc:sldMk cId="2100237636" sldId="291"/>
+            <ac:spMk id="11" creationId="{53F29798-D584-4792-9B62-3F5F5C36D619}"/>
+          </ac:spMkLst>
+        </pc:spChg>
+        <pc:picChg chg="add del mod">
+          <ac:chgData name="Md Kauser Ahmmed" userId="81e39d19-8d5c-4ffe-9a82-20799efac8e0" providerId="ADAL" clId="{3A55CCAE-749B-4817-8638-97B22656D31F}" dt="2020-09-18T15:33:08.358" v="723" actId="478"/>
+          <ac:picMkLst>
+            <pc:docMk/>
+            <pc:sldMk cId="2100237636" sldId="291"/>
+            <ac:picMk id="6" creationId="{D00D91F7-03FF-4F52-B813-E8E5895C2E39}"/>
+          </ac:picMkLst>
+        </pc:picChg>
+        <pc:picChg chg="del">
+          <ac:chgData name="Md Kauser Ahmmed" userId="81e39d19-8d5c-4ffe-9a82-20799efac8e0" providerId="ADAL" clId="{3A55CCAE-749B-4817-8638-97B22656D31F}" dt="2020-09-18T15:32:08.486" v="681" actId="478"/>
+          <ac:picMkLst>
+            <pc:docMk/>
+            <pc:sldMk cId="2100237636" sldId="291"/>
+            <ac:picMk id="9" creationId="{BD83E123-E490-4504-8B6F-49AF8BFFF182}"/>
+          </ac:picMkLst>
+        </pc:picChg>
+        <pc:picChg chg="add mod">
+          <ac:chgData name="Md Kauser Ahmmed" userId="81e39d19-8d5c-4ffe-9a82-20799efac8e0" providerId="ADAL" clId="{3A55CCAE-749B-4817-8638-97B22656D31F}" dt="2020-09-18T15:33:42.821" v="726" actId="962"/>
+          <ac:picMkLst>
+            <pc:docMk/>
+            <pc:sldMk cId="2100237636" sldId="291"/>
+            <ac:picMk id="12" creationId="{A5D262B8-D0EB-40AE-A7E4-B47F2EC0997E}"/>
+          </ac:picMkLst>
+        </pc:picChg>
+      </pc:sldChg>
+      <pc:sldChg chg="del">
+        <pc:chgData name="Md Kauser Ahmmed" userId="81e39d19-8d5c-4ffe-9a82-20799efac8e0" providerId="ADAL" clId="{3A55CCAE-749B-4817-8638-97B22656D31F}" dt="2020-09-18T15:34:41.338" v="759" actId="2696"/>
+        <pc:sldMkLst>
+          <pc:docMk/>
+          <pc:sldMk cId="126425521" sldId="292"/>
+        </pc:sldMkLst>
+      </pc:sldChg>
+      <pc:sldChg chg="modSp add">
+        <pc:chgData name="Md Kauser Ahmmed" userId="81e39d19-8d5c-4ffe-9a82-20799efac8e0" providerId="ADAL" clId="{3A55CCAE-749B-4817-8638-97B22656D31F}" dt="2020-09-17T22:43:35.352" v="292" actId="20577"/>
+        <pc:sldMkLst>
+          <pc:docMk/>
+          <pc:sldMk cId="2643112249" sldId="293"/>
+        </pc:sldMkLst>
+        <pc:spChg chg="mod">
+          <ac:chgData name="Md Kauser Ahmmed" userId="81e39d19-8d5c-4ffe-9a82-20799efac8e0" providerId="ADAL" clId="{3A55CCAE-749B-4817-8638-97B22656D31F}" dt="2020-09-17T22:41:49.872" v="225" actId="20577"/>
+          <ac:spMkLst>
+            <pc:docMk/>
+            <pc:sldMk cId="2643112249" sldId="293"/>
+            <ac:spMk id="2" creationId="{C604CE27-EB50-4E58-AD2A-80973442D814}"/>
+          </ac:spMkLst>
+        </pc:spChg>
+        <pc:spChg chg="mod">
+          <ac:chgData name="Md Kauser Ahmmed" userId="81e39d19-8d5c-4ffe-9a82-20799efac8e0" providerId="ADAL" clId="{3A55CCAE-749B-4817-8638-97B22656D31F}" dt="2020-09-17T22:43:35.352" v="292" actId="20577"/>
+          <ac:spMkLst>
+            <pc:docMk/>
+            <pc:sldMk cId="2643112249" sldId="293"/>
+            <ac:spMk id="3" creationId="{6C58F653-65FA-4EAC-8F96-BB20CE60DAB0}"/>
+          </ac:spMkLst>
+        </pc:spChg>
+      </pc:sldChg>
+      <pc:sldChg chg="modSp add">
+        <pc:chgData name="Md Kauser Ahmmed" userId="81e39d19-8d5c-4ffe-9a82-20799efac8e0" providerId="ADAL" clId="{3A55CCAE-749B-4817-8638-97B22656D31F}" dt="2020-09-17T23:11:13.067" v="480" actId="20577"/>
+        <pc:sldMkLst>
+          <pc:docMk/>
+          <pc:sldMk cId="3806874064" sldId="294"/>
+        </pc:sldMkLst>
+        <pc:spChg chg="mod">
+          <ac:chgData name="Md Kauser Ahmmed" userId="81e39d19-8d5c-4ffe-9a82-20799efac8e0" providerId="ADAL" clId="{3A55CCAE-749B-4817-8638-97B22656D31F}" dt="2020-09-17T22:44:36.420" v="304" actId="20577"/>
+          <ac:spMkLst>
+            <pc:docMk/>
+            <pc:sldMk cId="3806874064" sldId="294"/>
+            <ac:spMk id="2" creationId="{41128F7E-AD1A-44EE-8E4F-107CA1BB7B58}"/>
+          </ac:spMkLst>
+        </pc:spChg>
+        <pc:spChg chg="mod">
+          <ac:chgData name="Md Kauser Ahmmed" userId="81e39d19-8d5c-4ffe-9a82-20799efac8e0" providerId="ADAL" clId="{3A55CCAE-749B-4817-8638-97B22656D31F}" dt="2020-09-17T23:11:13.067" v="480" actId="20577"/>
+          <ac:spMkLst>
+            <pc:docMk/>
+            <pc:sldMk cId="3806874064" sldId="294"/>
+            <ac:spMk id="3" creationId="{066E0E3E-8117-4A7C-895F-0A6C647DAA69}"/>
+          </ac:spMkLst>
+        </pc:spChg>
+      </pc:sldChg>
+      <pc:sldChg chg="addSp delSp modSp add">
+        <pc:chgData name="Md Kauser Ahmmed" userId="81e39d19-8d5c-4ffe-9a82-20799efac8e0" providerId="ADAL" clId="{3A55CCAE-749B-4817-8638-97B22656D31F}" dt="2020-09-18T15:38:14.367" v="864" actId="14100"/>
+        <pc:sldMkLst>
+          <pc:docMk/>
+          <pc:sldMk cId="1513331418" sldId="295"/>
+        </pc:sldMkLst>
+        <pc:spChg chg="mod">
+          <ac:chgData name="Md Kauser Ahmmed" userId="81e39d19-8d5c-4ffe-9a82-20799efac8e0" providerId="ADAL" clId="{3A55CCAE-749B-4817-8638-97B22656D31F}" dt="2020-09-18T15:37:49.045" v="862"/>
+          <ac:spMkLst>
+            <pc:docMk/>
+            <pc:sldMk cId="1513331418" sldId="295"/>
+            <ac:spMk id="2" creationId="{2EF97407-E221-4D0C-AEAF-23BC537FFDEE}"/>
+          </ac:spMkLst>
+        </pc:spChg>
+        <pc:spChg chg="del">
+          <ac:chgData name="Md Kauser Ahmmed" userId="81e39d19-8d5c-4ffe-9a82-20799efac8e0" providerId="ADAL" clId="{3A55CCAE-749B-4817-8638-97B22656D31F}" dt="2020-09-18T15:35:38.804" v="761" actId="931"/>
+          <ac:spMkLst>
+            <pc:docMk/>
+            <pc:sldMk cId="1513331418" sldId="295"/>
+            <ac:spMk id="3" creationId="{D3504309-BDF0-477B-A922-28456F92423F}"/>
+          </ac:spMkLst>
+        </pc:spChg>
+        <pc:picChg chg="add mod">
+          <ac:chgData name="Md Kauser Ahmmed" userId="81e39d19-8d5c-4ffe-9a82-20799efac8e0" providerId="ADAL" clId="{3A55CCAE-749B-4817-8638-97B22656D31F}" dt="2020-09-18T15:38:14.367" v="864" actId="14100"/>
+          <ac:picMkLst>
+            <pc:docMk/>
+            <pc:sldMk cId="1513331418" sldId="295"/>
+            <ac:picMk id="5" creationId="{F818A7FC-2579-4B83-9156-CD14163F6347}"/>
+          </ac:picMkLst>
+        </pc:picChg>
+      </pc:sldChg>
+      <pc:sldChg chg="addSp delSp modSp add mod setBg">
+        <pc:chgData name="Md Kauser Ahmmed" userId="81e39d19-8d5c-4ffe-9a82-20799efac8e0" providerId="ADAL" clId="{3A55CCAE-749B-4817-8638-97B22656D31F}" dt="2020-09-18T15:37:33.826" v="861" actId="26606"/>
+        <pc:sldMkLst>
+          <pc:docMk/>
+          <pc:sldMk cId="3201184893" sldId="296"/>
+        </pc:sldMkLst>
+        <pc:spChg chg="mod">
+          <ac:chgData name="Md Kauser Ahmmed" userId="81e39d19-8d5c-4ffe-9a82-20799efac8e0" providerId="ADAL" clId="{3A55CCAE-749B-4817-8638-97B22656D31F}" dt="2020-09-18T15:37:33.826" v="861" actId="26606"/>
+          <ac:spMkLst>
+            <pc:docMk/>
+            <pc:sldMk cId="3201184893" sldId="296"/>
+            <ac:spMk id="2" creationId="{4679E3EB-9298-4B04-B41B-9657247CEEAA}"/>
+          </ac:spMkLst>
+        </pc:spChg>
+        <pc:spChg chg="del">
+          <ac:chgData name="Md Kauser Ahmmed" userId="81e39d19-8d5c-4ffe-9a82-20799efac8e0" providerId="ADAL" clId="{3A55CCAE-749B-4817-8638-97B22656D31F}" dt="2020-09-18T15:37:11.320" v="817" actId="931"/>
+          <ac:spMkLst>
+            <pc:docMk/>
+            <pc:sldMk cId="3201184893" sldId="296"/>
+            <ac:spMk id="3" creationId="{7589C1DA-0C10-4C65-8E97-C4A859CB86E2}"/>
+          </ac:spMkLst>
+        </pc:spChg>
+        <pc:spChg chg="add">
+          <ac:chgData name="Md Kauser Ahmmed" userId="81e39d19-8d5c-4ffe-9a82-20799efac8e0" providerId="ADAL" clId="{3A55CCAE-749B-4817-8638-97B22656D31F}" dt="2020-09-18T15:37:33.826" v="861" actId="26606"/>
+          <ac:spMkLst>
+            <pc:docMk/>
+            <pc:sldMk cId="3201184893" sldId="296"/>
+            <ac:spMk id="10" creationId="{53F29798-D584-4792-9B62-3F5F5C36D619}"/>
+          </ac:spMkLst>
+        </pc:spChg>
+        <pc:picChg chg="add mod">
+          <ac:chgData name="Md Kauser Ahmmed" userId="81e39d19-8d5c-4ffe-9a82-20799efac8e0" providerId="ADAL" clId="{3A55CCAE-749B-4817-8638-97B22656D31F}" dt="2020-09-18T15:37:33.826" v="861" actId="26606"/>
+          <ac:picMkLst>
+            <pc:docMk/>
+            <pc:sldMk cId="3201184893" sldId="296"/>
+            <ac:picMk id="5" creationId="{CA27098A-4165-4A86-A743-724745552C59}"/>
+          </ac:picMkLst>
+        </pc:picChg>
+      </pc:sldChg>
+      <pc:sldChg chg="addSp delSp modSp add ord">
+        <pc:chgData name="Md Kauser Ahmmed" userId="81e39d19-8d5c-4ffe-9a82-20799efac8e0" providerId="ADAL" clId="{3A55CCAE-749B-4817-8638-97B22656D31F}" dt="2020-09-18T15:40:09.415" v="921" actId="14100"/>
+        <pc:sldMkLst>
+          <pc:docMk/>
+          <pc:sldMk cId="3807525662" sldId="297"/>
+        </pc:sldMkLst>
+        <pc:spChg chg="mod">
+          <ac:chgData name="Md Kauser Ahmmed" userId="81e39d19-8d5c-4ffe-9a82-20799efac8e0" providerId="ADAL" clId="{3A55CCAE-749B-4817-8638-97B22656D31F}" dt="2020-09-18T15:38:59.509" v="914" actId="20577"/>
+          <ac:spMkLst>
+            <pc:docMk/>
+            <pc:sldMk cId="3807525662" sldId="297"/>
+            <ac:spMk id="2" creationId="{9E230CAA-F5A8-4858-BB51-764A66846420}"/>
+          </ac:spMkLst>
+        </pc:spChg>
+        <pc:spChg chg="del">
+          <ac:chgData name="Md Kauser Ahmmed" userId="81e39d19-8d5c-4ffe-9a82-20799efac8e0" providerId="ADAL" clId="{3A55CCAE-749B-4817-8638-97B22656D31F}" dt="2020-09-18T15:39:10.387" v="915" actId="931"/>
+          <ac:spMkLst>
+            <pc:docMk/>
+            <pc:sldMk cId="3807525662" sldId="297"/>
+            <ac:spMk id="3" creationId="{5A4F9894-CC31-40D4-95A8-ABD2016806F8}"/>
+          </ac:spMkLst>
+        </pc:spChg>
+        <pc:picChg chg="add mod">
+          <ac:chgData name="Md Kauser Ahmmed" userId="81e39d19-8d5c-4ffe-9a82-20799efac8e0" providerId="ADAL" clId="{3A55CCAE-749B-4817-8638-97B22656D31F}" dt="2020-09-18T15:40:09.415" v="921" actId="14100"/>
+          <ac:picMkLst>
+            <pc:docMk/>
+            <pc:sldMk cId="3807525662" sldId="297"/>
+            <ac:picMk id="5" creationId="{3E033F69-515D-48CA-A337-C51DA942D87F}"/>
+          </ac:picMkLst>
+        </pc:picChg>
+      </pc:sldChg>
+      <pc:sldChg chg="addSp delSp modSp add">
+        <pc:chgData name="Md Kauser Ahmmed" userId="81e39d19-8d5c-4ffe-9a82-20799efac8e0" providerId="ADAL" clId="{3A55CCAE-749B-4817-8638-97B22656D31F}" dt="2020-09-18T15:41:32.007" v="927" actId="14100"/>
+        <pc:sldMkLst>
+          <pc:docMk/>
+          <pc:sldMk cId="705476752" sldId="298"/>
+        </pc:sldMkLst>
+        <pc:spChg chg="mod">
+          <ac:chgData name="Md Kauser Ahmmed" userId="81e39d19-8d5c-4ffe-9a82-20799efac8e0" providerId="ADAL" clId="{3A55CCAE-749B-4817-8638-97B22656D31F}" dt="2020-09-18T15:39:58.812" v="920"/>
+          <ac:spMkLst>
+            <pc:docMk/>
+            <pc:sldMk cId="705476752" sldId="298"/>
+            <ac:spMk id="2" creationId="{6883D339-FDDE-4E8E-B654-A4D896D93106}"/>
+          </ac:spMkLst>
+        </pc:spChg>
+        <pc:spChg chg="add del">
+          <ac:chgData name="Md Kauser Ahmmed" userId="81e39d19-8d5c-4ffe-9a82-20799efac8e0" providerId="ADAL" clId="{3A55CCAE-749B-4817-8638-97B22656D31F}" dt="2020-09-18T15:40:55.751" v="924" actId="931"/>
+          <ac:spMkLst>
+            <pc:docMk/>
+            <pc:sldMk cId="705476752" sldId="298"/>
+            <ac:spMk id="3" creationId="{D0852596-C9B0-4CA4-8B57-52A2D2058BE8}"/>
+          </ac:spMkLst>
+        </pc:spChg>
+        <pc:picChg chg="add del mod">
+          <ac:chgData name="Md Kauser Ahmmed" userId="81e39d19-8d5c-4ffe-9a82-20799efac8e0" providerId="ADAL" clId="{3A55CCAE-749B-4817-8638-97B22656D31F}" dt="2020-09-18T15:40:51.006" v="923" actId="931"/>
+          <ac:picMkLst>
+            <pc:docMk/>
+            <pc:sldMk cId="705476752" sldId="298"/>
+            <ac:picMk id="5" creationId="{F3D5934A-936B-4B96-A866-A5B1B6329379}"/>
+          </ac:picMkLst>
+        </pc:picChg>
+        <pc:picChg chg="add mod">
+          <ac:chgData name="Md Kauser Ahmmed" userId="81e39d19-8d5c-4ffe-9a82-20799efac8e0" providerId="ADAL" clId="{3A55CCAE-749B-4817-8638-97B22656D31F}" dt="2020-09-18T15:41:32.007" v="927" actId="14100"/>
+          <ac:picMkLst>
+            <pc:docMk/>
+            <pc:sldMk cId="705476752" sldId="298"/>
+            <ac:picMk id="7" creationId="{302750BE-E081-45B3-9336-07BB22507ECB}"/>
+          </ac:picMkLst>
+        </pc:picChg>
+      </pc:sldChg>
+      <pc:sldChg chg="addSp delSp modSp add mod setBg">
+        <pc:chgData name="Md Kauser Ahmmed" userId="81e39d19-8d5c-4ffe-9a82-20799efac8e0" providerId="ADAL" clId="{3A55CCAE-749B-4817-8638-97B22656D31F}" dt="2020-09-18T16:30:40.735" v="940" actId="20577"/>
+        <pc:sldMkLst>
+          <pc:docMk/>
+          <pc:sldMk cId="2179309757" sldId="299"/>
+        </pc:sldMkLst>
+        <pc:spChg chg="mod">
+          <ac:chgData name="Md Kauser Ahmmed" userId="81e39d19-8d5c-4ffe-9a82-20799efac8e0" providerId="ADAL" clId="{3A55CCAE-749B-4817-8638-97B22656D31F}" dt="2020-09-18T16:30:40.735" v="940" actId="20577"/>
+          <ac:spMkLst>
+            <pc:docMk/>
+            <pc:sldMk cId="2179309757" sldId="299"/>
+            <ac:spMk id="2" creationId="{284849D0-B00B-41F8-A8DC-CF09038960BF}"/>
+          </ac:spMkLst>
+        </pc:spChg>
+        <pc:spChg chg="del">
+          <ac:chgData name="Md Kauser Ahmmed" userId="81e39d19-8d5c-4ffe-9a82-20799efac8e0" providerId="ADAL" clId="{3A55CCAE-749B-4817-8638-97B22656D31F}" dt="2020-09-18T16:30:27.228" v="936"/>
+          <ac:spMkLst>
+            <pc:docMk/>
+            <pc:sldMk cId="2179309757" sldId="299"/>
+            <ac:spMk id="3" creationId="{7AF86B43-08EF-4209-AA89-C3DBA6DF7637}"/>
+          </ac:spMkLst>
+        </pc:spChg>
+        <pc:spChg chg="add">
+          <ac:chgData name="Md Kauser Ahmmed" userId="81e39d19-8d5c-4ffe-9a82-20799efac8e0" providerId="ADAL" clId="{3A55CCAE-749B-4817-8638-97B22656D31F}" dt="2020-09-18T16:30:30.922" v="937" actId="26606"/>
+          <ac:spMkLst>
+            <pc:docMk/>
+            <pc:sldMk cId="2179309757" sldId="299"/>
+            <ac:spMk id="9" creationId="{53F29798-D584-4792-9B62-3F5F5C36D619}"/>
+          </ac:spMkLst>
+        </pc:spChg>
+        <pc:graphicFrameChg chg="add mod modGraphic">
+          <ac:chgData name="Md Kauser Ahmmed" userId="81e39d19-8d5c-4ffe-9a82-20799efac8e0" providerId="ADAL" clId="{3A55CCAE-749B-4817-8638-97B22656D31F}" dt="2020-09-18T16:30:30.922" v="937" actId="26606"/>
+          <ac:graphicFrameMkLst>
+            <pc:docMk/>
+            <pc:sldMk cId="2179309757" sldId="299"/>
+            <ac:graphicFrameMk id="4" creationId="{C11BA0E5-C2A0-48A5-A877-2B6C33792D4F}"/>
+          </ac:graphicFrameMkLst>
+        </pc:graphicFrameChg>
+      </pc:sldChg>
+    </pc:docChg>
+  </pc:docChgLst>
+  <pc:docChgLst>
+    <pc:chgData name="Md Kauser Ahmmed" userId="81e39d19-8d5c-4ffe-9a82-20799efac8e0" providerId="ADAL" clId="{D1365D3E-4033-4BE9-A12E-BE65B8736970}"/>
+    <pc:docChg chg="undo custSel modSld">
+      <pc:chgData name="Md Kauser Ahmmed" userId="81e39d19-8d5c-4ffe-9a82-20799efac8e0" providerId="ADAL" clId="{D1365D3E-4033-4BE9-A12E-BE65B8736970}" dt="2021-05-07T17:11:34.637" v="23" actId="962"/>
+      <pc:docMkLst>
+        <pc:docMk/>
+      </pc:docMkLst>
+      <pc:sldChg chg="addSp delSp modSp mod">
+        <pc:chgData name="Md Kauser Ahmmed" userId="81e39d19-8d5c-4ffe-9a82-20799efac8e0" providerId="ADAL" clId="{D1365D3E-4033-4BE9-A12E-BE65B8736970}" dt="2021-05-07T17:11:01.113" v="15" actId="26606"/>
+        <pc:sldMkLst>
+          <pc:docMk/>
+          <pc:sldMk cId="4159251590" sldId="319"/>
+        </pc:sldMkLst>
+        <pc:spChg chg="mod">
+          <ac:chgData name="Md Kauser Ahmmed" userId="81e39d19-8d5c-4ffe-9a82-20799efac8e0" providerId="ADAL" clId="{D1365D3E-4033-4BE9-A12E-BE65B8736970}" dt="2021-05-07T17:11:01.109" v="14" actId="26606"/>
+          <ac:spMkLst>
+            <pc:docMk/>
+            <pc:sldMk cId="4159251590" sldId="319"/>
+            <ac:spMk id="2" creationId="{3C1F2933-445C-4315-9D7A-8A1D943C8E7E}"/>
+          </ac:spMkLst>
+        </pc:spChg>
+        <pc:spChg chg="add del mod">
+          <ac:chgData name="Md Kauser Ahmmed" userId="81e39d19-8d5c-4ffe-9a82-20799efac8e0" providerId="ADAL" clId="{D1365D3E-4033-4BE9-A12E-BE65B8736970}" dt="2021-05-07T17:10:53.246" v="8" actId="931"/>
+          <ac:spMkLst>
+            <pc:docMk/>
+            <pc:sldMk cId="4159251590" sldId="319"/>
+            <ac:spMk id="4" creationId="{BEE0B841-7CA5-4ACE-B4B7-41774CE7791E}"/>
+          </ac:spMkLst>
+        </pc:spChg>
+        <pc:spChg chg="del">
+          <ac:chgData name="Md Kauser Ahmmed" userId="81e39d19-8d5c-4ffe-9a82-20799efac8e0" providerId="ADAL" clId="{D1365D3E-4033-4BE9-A12E-BE65B8736970}" dt="2021-05-07T17:10:20.219" v="1" actId="478"/>
+          <ac:spMkLst>
+            <pc:docMk/>
+            <pc:sldMk cId="4159251590" sldId="319"/>
+            <ac:spMk id="6" creationId="{433CAB71-81E0-4E11-8836-5A03EA92AF98}"/>
+          </ac:spMkLst>
+        </pc:spChg>
+        <pc:spChg chg="add del">
+          <ac:chgData name="Md Kauser Ahmmed" userId="81e39d19-8d5c-4ffe-9a82-20799efac8e0" providerId="ADAL" clId="{D1365D3E-4033-4BE9-A12E-BE65B8736970}" dt="2021-05-07T17:11:01.113" v="15" actId="26606"/>
+          <ac:spMkLst>
+            <pc:docMk/>
+            <pc:sldMk cId="4159251590" sldId="319"/>
+            <ac:spMk id="10" creationId="{A4AC5506-6312-4701-8D3C-40187889A947}"/>
+          </ac:spMkLst>
+        </pc:spChg>
+        <pc:spChg chg="add del">
+          <ac:chgData name="Md Kauser Ahmmed" userId="81e39d19-8d5c-4ffe-9a82-20799efac8e0" providerId="ADAL" clId="{D1365D3E-4033-4BE9-A12E-BE65B8736970}" dt="2021-05-07T17:10:59.486" v="12" actId="26606"/>
+          <ac:spMkLst>
+            <pc:docMk/>
+            <pc:sldMk cId="4159251590" sldId="319"/>
+            <ac:spMk id="15" creationId="{A4AC5506-6312-4701-8D3C-40187889A947}"/>
+          </ac:spMkLst>
+        </pc:spChg>
+        <pc:spChg chg="add del">
+          <ac:chgData name="Md Kauser Ahmmed" userId="81e39d19-8d5c-4ffe-9a82-20799efac8e0" providerId="ADAL" clId="{D1365D3E-4033-4BE9-A12E-BE65B8736970}" dt="2021-05-07T17:11:01.109" v="14" actId="26606"/>
+          <ac:spMkLst>
+            <pc:docMk/>
+            <pc:sldMk cId="4159251590" sldId="319"/>
+            <ac:spMk id="17" creationId="{F170E346-B98B-43A6-A4DA-D36FF63284B3}"/>
+          </ac:spMkLst>
+        </pc:spChg>
+        <pc:spChg chg="add">
+          <ac:chgData name="Md Kauser Ahmmed" userId="81e39d19-8d5c-4ffe-9a82-20799efac8e0" providerId="ADAL" clId="{D1365D3E-4033-4BE9-A12E-BE65B8736970}" dt="2021-05-07T17:11:01.113" v="15" actId="26606"/>
+          <ac:spMkLst>
+            <pc:docMk/>
+            <pc:sldMk cId="4159251590" sldId="319"/>
+            <ac:spMk id="19" creationId="{A4AC5506-6312-4701-8D3C-40187889A947}"/>
+          </ac:spMkLst>
+        </pc:spChg>
+        <pc:picChg chg="del">
+          <ac:chgData name="Md Kauser Ahmmed" userId="81e39d19-8d5c-4ffe-9a82-20799efac8e0" providerId="ADAL" clId="{D1365D3E-4033-4BE9-A12E-BE65B8736970}" dt="2021-05-07T17:10:06.656" v="0" actId="478"/>
+          <ac:picMkLst>
+            <pc:docMk/>
+            <pc:sldMk cId="4159251590" sldId="319"/>
+            <ac:picMk id="5" creationId="{EEFDDC02-9CD2-44F7-9F0D-8417C900CFBA}"/>
+          </ac:picMkLst>
+        </pc:picChg>
+        <pc:picChg chg="add mod">
+          <ac:chgData name="Md Kauser Ahmmed" userId="81e39d19-8d5c-4ffe-9a82-20799efac8e0" providerId="ADAL" clId="{D1365D3E-4033-4BE9-A12E-BE65B8736970}" dt="2021-05-07T17:11:01.113" v="15" actId="26606"/>
+          <ac:picMkLst>
+            <pc:docMk/>
+            <pc:sldMk cId="4159251590" sldId="319"/>
+            <ac:picMk id="8" creationId="{BC1FC669-2B1B-4F8D-9B12-1502F4D90702}"/>
+          </ac:picMkLst>
+        </pc:picChg>
+      </pc:sldChg>
+      <pc:sldChg chg="addSp delSp modSp mod">
+        <pc:chgData name="Md Kauser Ahmmed" userId="81e39d19-8d5c-4ffe-9a82-20799efac8e0" providerId="ADAL" clId="{D1365D3E-4033-4BE9-A12E-BE65B8736970}" dt="2021-05-07T17:11:14.930" v="17" actId="27614"/>
+        <pc:sldMkLst>
+          <pc:docMk/>
+          <pc:sldMk cId="771960247" sldId="320"/>
+        </pc:sldMkLst>
+        <pc:spChg chg="add del mod">
+          <ac:chgData name="Md Kauser Ahmmed" userId="81e39d19-8d5c-4ffe-9a82-20799efac8e0" providerId="ADAL" clId="{D1365D3E-4033-4BE9-A12E-BE65B8736970}" dt="2021-05-07T17:11:11.427" v="16" actId="931"/>
+          <ac:spMkLst>
+            <pc:docMk/>
+            <pc:sldMk cId="771960247" sldId="320"/>
+            <ac:spMk id="4" creationId="{FDBFFA4B-B217-42DD-874B-EDE46071FE04}"/>
+          </ac:spMkLst>
+        </pc:spChg>
+        <pc:spChg chg="del">
+          <ac:chgData name="Md Kauser Ahmmed" userId="81e39d19-8d5c-4ffe-9a82-20799efac8e0" providerId="ADAL" clId="{D1365D3E-4033-4BE9-A12E-BE65B8736970}" dt="2021-05-07T17:10:23.440" v="2" actId="478"/>
+          <ac:spMkLst>
+            <pc:docMk/>
+            <pc:sldMk cId="771960247" sldId="320"/>
+            <ac:spMk id="7" creationId="{47B0EFF6-844E-4C06-A6BA-0569FBC41C3D}"/>
+          </ac:spMkLst>
+        </pc:spChg>
+        <pc:picChg chg="del">
+          <ac:chgData name="Md Kauser Ahmmed" userId="81e39d19-8d5c-4ffe-9a82-20799efac8e0" providerId="ADAL" clId="{D1365D3E-4033-4BE9-A12E-BE65B8736970}" dt="2021-05-07T17:10:25.600" v="3" actId="478"/>
+          <ac:picMkLst>
+            <pc:docMk/>
+            <pc:sldMk cId="771960247" sldId="320"/>
+            <ac:picMk id="5" creationId="{11706AC4-668D-4A40-86D9-221FFFFA5604}"/>
+          </ac:picMkLst>
+        </pc:picChg>
+        <pc:picChg chg="add mod">
+          <ac:chgData name="Md Kauser Ahmmed" userId="81e39d19-8d5c-4ffe-9a82-20799efac8e0" providerId="ADAL" clId="{D1365D3E-4033-4BE9-A12E-BE65B8736970}" dt="2021-05-07T17:11:14.930" v="17" actId="27614"/>
+          <ac:picMkLst>
+            <pc:docMk/>
+            <pc:sldMk cId="771960247" sldId="320"/>
+            <ac:picMk id="8" creationId="{20EF345D-BC21-4313-9E76-150497BEB798}"/>
+          </ac:picMkLst>
+        </pc:picChg>
+      </pc:sldChg>
+      <pc:sldChg chg="addSp delSp modSp mod">
+        <pc:chgData name="Md Kauser Ahmmed" userId="81e39d19-8d5c-4ffe-9a82-20799efac8e0" providerId="ADAL" clId="{D1365D3E-4033-4BE9-A12E-BE65B8736970}" dt="2021-05-07T17:11:23.018" v="20" actId="962"/>
+        <pc:sldMkLst>
+          <pc:docMk/>
+          <pc:sldMk cId="2090751126" sldId="321"/>
+        </pc:sldMkLst>
+        <pc:spChg chg="add del mod">
+          <ac:chgData name="Md Kauser Ahmmed" userId="81e39d19-8d5c-4ffe-9a82-20799efac8e0" providerId="ADAL" clId="{D1365D3E-4033-4BE9-A12E-BE65B8736970}" dt="2021-05-07T17:11:21.821" v="18" actId="931"/>
+          <ac:spMkLst>
+            <pc:docMk/>
+            <pc:sldMk cId="2090751126" sldId="321"/>
+            <ac:spMk id="4" creationId="{206C7D0A-87A1-4310-96EF-727059596412}"/>
+          </ac:spMkLst>
+        </pc:spChg>
+        <pc:spChg chg="del">
+          <ac:chgData name="Md Kauser Ahmmed" userId="81e39d19-8d5c-4ffe-9a82-20799efac8e0" providerId="ADAL" clId="{D1365D3E-4033-4BE9-A12E-BE65B8736970}" dt="2021-05-07T17:10:29.907" v="4" actId="478"/>
+          <ac:spMkLst>
+            <pc:docMk/>
+            <pc:sldMk cId="2090751126" sldId="321"/>
+            <ac:spMk id="7" creationId="{DB6042F0-E10C-4DD4-9591-CF63D40B5929}"/>
+          </ac:spMkLst>
+        </pc:spChg>
+        <pc:picChg chg="del">
+          <ac:chgData name="Md Kauser Ahmmed" userId="81e39d19-8d5c-4ffe-9a82-20799efac8e0" providerId="ADAL" clId="{D1365D3E-4033-4BE9-A12E-BE65B8736970}" dt="2021-05-07T17:10:32.293" v="5" actId="478"/>
+          <ac:picMkLst>
+            <pc:docMk/>
+            <pc:sldMk cId="2090751126" sldId="321"/>
+            <ac:picMk id="5" creationId="{F62B1966-6EEC-43F7-84E0-EA1B2169DAAB}"/>
+          </ac:picMkLst>
+        </pc:picChg>
+        <pc:picChg chg="add mod">
+          <ac:chgData name="Md Kauser Ahmmed" userId="81e39d19-8d5c-4ffe-9a82-20799efac8e0" providerId="ADAL" clId="{D1365D3E-4033-4BE9-A12E-BE65B8736970}" dt="2021-05-07T17:11:23.018" v="20" actId="962"/>
+          <ac:picMkLst>
+            <pc:docMk/>
+            <pc:sldMk cId="2090751126" sldId="321"/>
+            <ac:picMk id="8" creationId="{578BDB98-2C4B-41A4-9C70-DA44316F7A83}"/>
+          </ac:picMkLst>
+        </pc:picChg>
+      </pc:sldChg>
+      <pc:sldChg chg="addSp delSp modSp mod">
+        <pc:chgData name="Md Kauser Ahmmed" userId="81e39d19-8d5c-4ffe-9a82-20799efac8e0" providerId="ADAL" clId="{D1365D3E-4033-4BE9-A12E-BE65B8736970}" dt="2021-05-07T17:11:34.637" v="23" actId="962"/>
+        <pc:sldMkLst>
+          <pc:docMk/>
+          <pc:sldMk cId="3655570833" sldId="322"/>
+        </pc:sldMkLst>
+        <pc:spChg chg="add del mod">
+          <ac:chgData name="Md Kauser Ahmmed" userId="81e39d19-8d5c-4ffe-9a82-20799efac8e0" providerId="ADAL" clId="{D1365D3E-4033-4BE9-A12E-BE65B8736970}" dt="2021-05-07T17:11:33.444" v="21" actId="931"/>
+          <ac:spMkLst>
+            <pc:docMk/>
+            <pc:sldMk cId="3655570833" sldId="322"/>
+            <ac:spMk id="4" creationId="{1FAA84C0-ECCA-485D-986B-79CED0183DBC}"/>
+          </ac:spMkLst>
+        </pc:spChg>
+        <pc:spChg chg="del">
+          <ac:chgData name="Md Kauser Ahmmed" userId="81e39d19-8d5c-4ffe-9a82-20799efac8e0" providerId="ADAL" clId="{D1365D3E-4033-4BE9-A12E-BE65B8736970}" dt="2021-05-07T17:10:36.356" v="6" actId="478"/>
+          <ac:spMkLst>
+            <pc:docMk/>
+            <pc:sldMk cId="3655570833" sldId="322"/>
+            <ac:spMk id="7" creationId="{917B1247-B9E7-4617-BECD-49BD5173A822}"/>
+          </ac:spMkLst>
+        </pc:spChg>
+        <pc:picChg chg="del">
+          <ac:chgData name="Md Kauser Ahmmed" userId="81e39d19-8d5c-4ffe-9a82-20799efac8e0" providerId="ADAL" clId="{D1365D3E-4033-4BE9-A12E-BE65B8736970}" dt="2021-05-07T17:10:38.241" v="7" actId="478"/>
+          <ac:picMkLst>
+            <pc:docMk/>
+            <pc:sldMk cId="3655570833" sldId="322"/>
+            <ac:picMk id="5" creationId="{2714B5EF-6099-4CE7-811F-F7BCA671BA60}"/>
+          </ac:picMkLst>
+        </pc:picChg>
+        <pc:picChg chg="add mod">
+          <ac:chgData name="Md Kauser Ahmmed" userId="81e39d19-8d5c-4ffe-9a82-20799efac8e0" providerId="ADAL" clId="{D1365D3E-4033-4BE9-A12E-BE65B8736970}" dt="2021-05-07T17:11:34.637" v="23" actId="962"/>
+          <ac:picMkLst>
+            <pc:docMk/>
+            <pc:sldMk cId="3655570833" sldId="322"/>
+            <ac:picMk id="8" creationId="{173E3846-98AF-4900-A684-1775EDE6123E}"/>
+          </ac:picMkLst>
+        </pc:picChg>
+      </pc:sldChg>
+    </pc:docChg>
+  </pc:docChgLst>
+  <pc:docChgLst>
+    <pc:chgData name="Md Kauser Ahmmed" userId="81e39d19-8d5c-4ffe-9a82-20799efac8e0" providerId="ADAL" clId="{30EBAA48-D00D-436C-B3AC-B0E7F62EC0CE}"/>
+    <pc:docChg chg="undo custSel mod addSld delSld modSld">
+      <pc:chgData name="Md Kauser Ahmmed" userId="81e39d19-8d5c-4ffe-9a82-20799efac8e0" providerId="ADAL" clId="{30EBAA48-D00D-436C-B3AC-B0E7F62EC0CE}" dt="2020-09-04T17:27:46.801" v="1828" actId="20577"/>
+      <pc:docMkLst>
+        <pc:docMk/>
+      </pc:docMkLst>
+      <pc:sldChg chg="modSp">
+        <pc:chgData name="Md Kauser Ahmmed" userId="81e39d19-8d5c-4ffe-9a82-20799efac8e0" providerId="ADAL" clId="{30EBAA48-D00D-436C-B3AC-B0E7F62EC0CE}" dt="2020-09-04T17:19:17.712" v="1550" actId="20577"/>
+        <pc:sldMkLst>
+          <pc:docMk/>
+          <pc:sldMk cId="1659930921" sldId="256"/>
+        </pc:sldMkLst>
+        <pc:spChg chg="mod">
+          <ac:chgData name="Md Kauser Ahmmed" userId="81e39d19-8d5c-4ffe-9a82-20799efac8e0" providerId="ADAL" clId="{30EBAA48-D00D-436C-B3AC-B0E7F62EC0CE}" dt="2020-09-04T17:07:28.281" v="672" actId="20577"/>
+          <ac:spMkLst>
+            <pc:docMk/>
+            <pc:sldMk cId="1659930921" sldId="256"/>
+            <ac:spMk id="5" creationId="{16BADCCF-8A79-4BE7-9453-DA10015FD92C}"/>
+          </ac:spMkLst>
+        </pc:spChg>
+        <pc:spChg chg="mod">
+          <ac:chgData name="Md Kauser Ahmmed" userId="81e39d19-8d5c-4ffe-9a82-20799efac8e0" providerId="ADAL" clId="{30EBAA48-D00D-436C-B3AC-B0E7F62EC0CE}" dt="2020-09-04T17:19:17.712" v="1550" actId="20577"/>
+          <ac:spMkLst>
+            <pc:docMk/>
+            <pc:sldMk cId="1659930921" sldId="256"/>
+            <ac:spMk id="6" creationId="{1EEBDA52-BE46-433D-AB6E-4D2949F916FF}"/>
+          </ac:spMkLst>
+        </pc:spChg>
+      </pc:sldChg>
+      <pc:sldChg chg="addSp delSp modSp">
+        <pc:chgData name="Md Kauser Ahmmed" userId="81e39d19-8d5c-4ffe-9a82-20799efac8e0" providerId="ADAL" clId="{30EBAA48-D00D-436C-B3AC-B0E7F62EC0CE}" dt="2020-09-04T17:06:27.336" v="625" actId="1076"/>
+        <pc:sldMkLst>
+          <pc:docMk/>
+          <pc:sldMk cId="4056875156" sldId="259"/>
+        </pc:sldMkLst>
+        <pc:spChg chg="mod">
+          <ac:chgData name="Md Kauser Ahmmed" userId="81e39d19-8d5c-4ffe-9a82-20799efac8e0" providerId="ADAL" clId="{30EBAA48-D00D-436C-B3AC-B0E7F62EC0CE}" dt="2020-09-04T17:05:11.935" v="619" actId="1035"/>
+          <ac:spMkLst>
+            <pc:docMk/>
+            <pc:sldMk cId="4056875156" sldId="259"/>
+            <ac:spMk id="2" creationId="{45F2AC63-EFDA-4E7C-A71C-7D3EE46A34E8}"/>
+          </ac:spMkLst>
+        </pc:spChg>
+        <pc:spChg chg="mod">
+          <ac:chgData name="Md Kauser Ahmmed" userId="81e39d19-8d5c-4ffe-9a82-20799efac8e0" providerId="ADAL" clId="{30EBAA48-D00D-436C-B3AC-B0E7F62EC0CE}" dt="2020-09-04T17:05:00.355" v="607" actId="20577"/>
+          <ac:spMkLst>
+            <pc:docMk/>
+            <pc:sldMk cId="4056875156" sldId="259"/>
+            <ac:spMk id="5" creationId="{3B3F8C9C-33C8-4308-AE5B-78786A407AED}"/>
+          </ac:spMkLst>
+        </pc:spChg>
+        <pc:graphicFrameChg chg="del">
+          <ac:chgData name="Md Kauser Ahmmed" userId="81e39d19-8d5c-4ffe-9a82-20799efac8e0" providerId="ADAL" clId="{30EBAA48-D00D-436C-B3AC-B0E7F62EC0CE}" dt="2020-09-04T17:03:47.949" v="309" actId="478"/>
+          <ac:graphicFrameMkLst>
+            <pc:docMk/>
+            <pc:sldMk cId="4056875156" sldId="259"/>
+            <ac:graphicFrameMk id="3" creationId="{D12EED76-112D-46B0-A106-5896D41AC26E}"/>
+          </ac:graphicFrameMkLst>
+        </pc:graphicFrameChg>
+        <pc:picChg chg="add mod">
+          <ac:chgData name="Md Kauser Ahmmed" userId="81e39d19-8d5c-4ffe-9a82-20799efac8e0" providerId="ADAL" clId="{30EBAA48-D00D-436C-B3AC-B0E7F62EC0CE}" dt="2020-09-04T17:06:27.336" v="625" actId="1076"/>
+          <ac:picMkLst>
+            <pc:docMk/>
+            <pc:sldMk cId="4056875156" sldId="259"/>
+            <ac:picMk id="6" creationId="{857A0EE1-9F4D-40BE-A91D-315A0B1C9A51}"/>
+          </ac:picMkLst>
+        </pc:picChg>
+      </pc:sldChg>
+      <pc:sldChg chg="modSp">
+        <pc:chgData name="Md Kauser Ahmmed" userId="81e39d19-8d5c-4ffe-9a82-20799efac8e0" providerId="ADAL" clId="{30EBAA48-D00D-436C-B3AC-B0E7F62EC0CE}" dt="2020-09-04T17:00:46.719" v="19" actId="20577"/>
+        <pc:sldMkLst>
+          <pc:docMk/>
+          <pc:sldMk cId="1010047731" sldId="271"/>
+        </pc:sldMkLst>
+        <pc:spChg chg="mod">
+          <ac:chgData name="Md Kauser Ahmmed" userId="81e39d19-8d5c-4ffe-9a82-20799efac8e0" providerId="ADAL" clId="{30EBAA48-D00D-436C-B3AC-B0E7F62EC0CE}" dt="2020-09-04T17:00:46.719" v="19" actId="20577"/>
+          <ac:spMkLst>
+            <pc:docMk/>
+            <pc:sldMk cId="1010047731" sldId="271"/>
+            <ac:spMk id="3" creationId="{771893B1-979C-4E59-951A-F29EB496A9C1}"/>
+          </ac:spMkLst>
+        </pc:spChg>
+      </pc:sldChg>
+      <pc:sldChg chg="del">
+        <pc:chgData name="Md Kauser Ahmmed" userId="81e39d19-8d5c-4ffe-9a82-20799efac8e0" providerId="ADAL" clId="{30EBAA48-D00D-436C-B3AC-B0E7F62EC0CE}" dt="2020-09-04T17:25:28.585" v="1702" actId="2696"/>
+        <pc:sldMkLst>
+          <pc:docMk/>
+          <pc:sldMk cId="1319027720" sldId="277"/>
+        </pc:sldMkLst>
+      </pc:sldChg>
+      <pc:sldChg chg="addSp delSp modSp">
+        <pc:chgData name="Md Kauser Ahmmed" userId="81e39d19-8d5c-4ffe-9a82-20799efac8e0" providerId="ADAL" clId="{30EBAA48-D00D-436C-B3AC-B0E7F62EC0CE}" dt="2020-09-04T17:27:46.801" v="1828" actId="20577"/>
+        <pc:sldMkLst>
+          <pc:docMk/>
+          <pc:sldMk cId="1891870474" sldId="284"/>
+        </pc:sldMkLst>
+        <pc:spChg chg="mod">
+          <ac:chgData name="Md Kauser Ahmmed" userId="81e39d19-8d5c-4ffe-9a82-20799efac8e0" providerId="ADAL" clId="{30EBAA48-D00D-436C-B3AC-B0E7F62EC0CE}" dt="2020-09-04T17:23:39.767" v="1602" actId="26606"/>
+          <ac:spMkLst>
+            <pc:docMk/>
+            <pc:sldMk cId="1891870474" sldId="284"/>
+            <ac:spMk id="2" creationId="{1706FC24-AA1D-4CDE-A461-17789365CC0D}"/>
+          </ac:spMkLst>
+        </pc:spChg>
+        <pc:spChg chg="add mod">
+          <ac:chgData name="Md Kauser Ahmmed" userId="81e39d19-8d5c-4ffe-9a82-20799efac8e0" providerId="ADAL" clId="{30EBAA48-D00D-436C-B3AC-B0E7F62EC0CE}" dt="2020-09-04T17:27:46.801" v="1828" actId="20577"/>
+          <ac:spMkLst>
+            <pc:docMk/>
+            <pc:sldMk cId="1891870474" sldId="284"/>
+            <ac:spMk id="5" creationId="{C94B69E8-D3E4-4987-BA3F-9A628ECE23B0}"/>
+          </ac:spMkLst>
+        </pc:spChg>
+        <pc:spChg chg="del">
+          <ac:chgData name="Md Kauser Ahmmed" userId="81e39d19-8d5c-4ffe-9a82-20799efac8e0" providerId="ADAL" clId="{30EBAA48-D00D-436C-B3AC-B0E7F62EC0CE}" dt="2020-09-04T17:23:39.767" v="1602" actId="26606"/>
+          <ac:spMkLst>
+            <pc:docMk/>
+            <pc:sldMk cId="1891870474" sldId="284"/>
+            <ac:spMk id="11" creationId="{594D6AA1-A0E1-45F9-8E25-BAB8092293CC}"/>
+          </ac:spMkLst>
+        </pc:spChg>
+        <pc:spChg chg="add">
+          <ac:chgData name="Md Kauser Ahmmed" userId="81e39d19-8d5c-4ffe-9a82-20799efac8e0" providerId="ADAL" clId="{30EBAA48-D00D-436C-B3AC-B0E7F62EC0CE}" dt="2020-09-04T17:23:39.767" v="1602" actId="26606"/>
+          <ac:spMkLst>
+            <pc:docMk/>
+            <pc:sldMk cId="1891870474" sldId="284"/>
+            <ac:spMk id="13" creationId="{53F29798-D584-4792-9B62-3F5F5C36D619}"/>
+          </ac:spMkLst>
+        </pc:spChg>
+        <pc:spChg chg="del">
+          <ac:chgData name="Md Kauser Ahmmed" userId="81e39d19-8d5c-4ffe-9a82-20799efac8e0" providerId="ADAL" clId="{30EBAA48-D00D-436C-B3AC-B0E7F62EC0CE}" dt="2020-09-04T17:20:36.365" v="1585" actId="478"/>
+          <ac:spMkLst>
+            <pc:docMk/>
+            <pc:sldMk cId="1891870474" sldId="284"/>
+            <ac:spMk id="15" creationId="{3A0FE97A-9B86-4A94-BFB9-CF69866376F5}"/>
+          </ac:spMkLst>
+        </pc:spChg>
+        <pc:graphicFrameChg chg="del">
+          <ac:chgData name="Md Kauser Ahmmed" userId="81e39d19-8d5c-4ffe-9a82-20799efac8e0" providerId="ADAL" clId="{30EBAA48-D00D-436C-B3AC-B0E7F62EC0CE}" dt="2020-09-04T17:20:33.302" v="1584" actId="478"/>
+          <ac:graphicFrameMkLst>
+            <pc:docMk/>
+            <pc:sldMk cId="1891870474" sldId="284"/>
+            <ac:graphicFrameMk id="6" creationId="{6BEC8AE8-700F-4481-99AE-0B23D2F93E1E}"/>
+          </ac:graphicFrameMkLst>
+        </pc:graphicFrameChg>
+        <pc:picChg chg="add mod">
+          <ac:chgData name="Md Kauser Ahmmed" userId="81e39d19-8d5c-4ffe-9a82-20799efac8e0" providerId="ADAL" clId="{30EBAA48-D00D-436C-B3AC-B0E7F62EC0CE}" dt="2020-09-04T17:23:44.210" v="1603" actId="1076"/>
+          <ac:picMkLst>
+            <pc:docMk/>
+            <pc:sldMk cId="1891870474" sldId="284"/>
+            <ac:picMk id="4" creationId="{9E4A5E19-FA61-498A-A0DC-E8D60EF47F0F}"/>
+          </ac:picMkLst>
+        </pc:picChg>
+      </pc:sldChg>
+      <pc:sldChg chg="del">
+        <pc:chgData name="Md Kauser Ahmmed" userId="81e39d19-8d5c-4ffe-9a82-20799efac8e0" providerId="ADAL" clId="{30EBAA48-D00D-436C-B3AC-B0E7F62EC0CE}" dt="2020-09-04T17:25:28.597" v="1703" actId="2696"/>
+        <pc:sldMkLst>
+          <pc:docMk/>
+          <pc:sldMk cId="3272573321" sldId="285"/>
+        </pc:sldMkLst>
+      </pc:sldChg>
+      <pc:sldChg chg="modSp add">
+        <pc:chgData name="Md Kauser Ahmmed" userId="81e39d19-8d5c-4ffe-9a82-20799efac8e0" providerId="ADAL" clId="{30EBAA48-D00D-436C-B3AC-B0E7F62EC0CE}" dt="2020-09-04T17:19:45.093" v="1555" actId="20577"/>
+        <pc:sldMkLst>
+          <pc:docMk/>
+          <pc:sldMk cId="4065790106" sldId="286"/>
+        </pc:sldMkLst>
+        <pc:spChg chg="mod">
+          <ac:chgData name="Md Kauser Ahmmed" userId="81e39d19-8d5c-4ffe-9a82-20799efac8e0" providerId="ADAL" clId="{30EBAA48-D00D-436C-B3AC-B0E7F62EC0CE}" dt="2020-09-04T17:19:45.093" v="1555" actId="20577"/>
+          <ac:spMkLst>
+            <pc:docMk/>
+            <pc:sldMk cId="4065790106" sldId="286"/>
+            <ac:spMk id="6" creationId="{1EEBDA52-BE46-433D-AB6E-4D2949F916FF}"/>
+          </ac:spMkLst>
+        </pc:spChg>
+      </pc:sldChg>
+      <pc:sldChg chg="modSp add">
+        <pc:chgData name="Md Kauser Ahmmed" userId="81e39d19-8d5c-4ffe-9a82-20799efac8e0" providerId="ADAL" clId="{30EBAA48-D00D-436C-B3AC-B0E7F62EC0CE}" dt="2020-09-04T17:20:04.603" v="1561" actId="207"/>
+        <pc:sldMkLst>
+          <pc:docMk/>
+          <pc:sldMk cId="4210391493" sldId="287"/>
+        </pc:sldMkLst>
+        <pc:spChg chg="mod">
+          <ac:chgData name="Md Kauser Ahmmed" userId="81e39d19-8d5c-4ffe-9a82-20799efac8e0" providerId="ADAL" clId="{30EBAA48-D00D-436C-B3AC-B0E7F62EC0CE}" dt="2020-09-04T17:20:04.603" v="1561" actId="207"/>
+          <ac:spMkLst>
+            <pc:docMk/>
+            <pc:sldMk cId="4210391493" sldId="287"/>
+            <ac:spMk id="6" creationId="{1EEBDA52-BE46-433D-AB6E-4D2949F916FF}"/>
+          </ac:spMkLst>
+        </pc:spChg>
+      </pc:sldChg>
+      <pc:sldChg chg="modSp add">
+        <pc:chgData name="Md Kauser Ahmmed" userId="81e39d19-8d5c-4ffe-9a82-20799efac8e0" providerId="ADAL" clId="{30EBAA48-D00D-436C-B3AC-B0E7F62EC0CE}" dt="2020-09-04T17:18:12.227" v="1503" actId="57"/>
+        <pc:sldMkLst>
+          <pc:docMk/>
+          <pc:sldMk cId="3020027435" sldId="288"/>
+        </pc:sldMkLst>
+        <pc:spChg chg="mod">
+          <ac:chgData name="Md Kauser Ahmmed" userId="81e39d19-8d5c-4ffe-9a82-20799efac8e0" providerId="ADAL" clId="{30EBAA48-D00D-436C-B3AC-B0E7F62EC0CE}" dt="2020-09-04T17:08:23.476" v="695" actId="20577"/>
+          <ac:spMkLst>
+            <pc:docMk/>
+            <pc:sldMk cId="3020027435" sldId="288"/>
+            <ac:spMk id="2" creationId="{11C6F554-558A-4032-B80E-4A49925BBC1F}"/>
+          </ac:spMkLst>
+        </pc:spChg>
+        <pc:spChg chg="mod">
+          <ac:chgData name="Md Kauser Ahmmed" userId="81e39d19-8d5c-4ffe-9a82-20799efac8e0" providerId="ADAL" clId="{30EBAA48-D00D-436C-B3AC-B0E7F62EC0CE}" dt="2020-09-04T17:18:12.227" v="1503" actId="57"/>
+          <ac:spMkLst>
+            <pc:docMk/>
+            <pc:sldMk cId="3020027435" sldId="288"/>
+            <ac:spMk id="3" creationId="{FFBD79E3-1E6C-466C-9014-4AD4B20A9108}"/>
+          </ac:spMkLst>
+        </pc:spChg>
+      </pc:sldChg>
+    </pc:docChg>
+  </pc:docChgLst>
+  <pc:docChgLst>
     <pc:chgData name="Md Kauser Ahmmed" userId="81e39d19-8d5c-4ffe-9a82-20799efac8e0" providerId="ADAL" clId="{3FB56EDB-2F38-4CA6-8122-BDEE3AA03212}"/>
     <pc:docChg chg="undo custSel mod addSld delSld modSld">
       <pc:chgData name="Md Kauser Ahmmed" userId="81e39d19-8d5c-4ffe-9a82-20799efac8e0" providerId="ADAL" clId="{3FB56EDB-2F38-4CA6-8122-BDEE3AA03212}" dt="2020-08-13T16:17:18.026" v="415" actId="26606"/>
@@ -1643,222 +2072,6 @@
     </pc:docChg>
   </pc:docChgLst>
   <pc:docChgLst>
-    <pc:chgData name="Md Kauser Ahmmed" userId="81e39d19-8d5c-4ffe-9a82-20799efac8e0" providerId="ADAL" clId="{30EBAA48-D00D-436C-B3AC-B0E7F62EC0CE}"/>
-    <pc:docChg chg="undo custSel mod addSld delSld modSld">
-      <pc:chgData name="Md Kauser Ahmmed" userId="81e39d19-8d5c-4ffe-9a82-20799efac8e0" providerId="ADAL" clId="{30EBAA48-D00D-436C-B3AC-B0E7F62EC0CE}" dt="2020-09-04T17:27:46.801" v="1828" actId="20577"/>
-      <pc:docMkLst>
-        <pc:docMk/>
-      </pc:docMkLst>
-      <pc:sldChg chg="modSp">
-        <pc:chgData name="Md Kauser Ahmmed" userId="81e39d19-8d5c-4ffe-9a82-20799efac8e0" providerId="ADAL" clId="{30EBAA48-D00D-436C-B3AC-B0E7F62EC0CE}" dt="2020-09-04T17:19:17.712" v="1550" actId="20577"/>
-        <pc:sldMkLst>
-          <pc:docMk/>
-          <pc:sldMk cId="1659930921" sldId="256"/>
-        </pc:sldMkLst>
-        <pc:spChg chg="mod">
-          <ac:chgData name="Md Kauser Ahmmed" userId="81e39d19-8d5c-4ffe-9a82-20799efac8e0" providerId="ADAL" clId="{30EBAA48-D00D-436C-B3AC-B0E7F62EC0CE}" dt="2020-09-04T17:07:28.281" v="672" actId="20577"/>
-          <ac:spMkLst>
-            <pc:docMk/>
-            <pc:sldMk cId="1659930921" sldId="256"/>
-            <ac:spMk id="5" creationId="{16BADCCF-8A79-4BE7-9453-DA10015FD92C}"/>
-          </ac:spMkLst>
-        </pc:spChg>
-        <pc:spChg chg="mod">
-          <ac:chgData name="Md Kauser Ahmmed" userId="81e39d19-8d5c-4ffe-9a82-20799efac8e0" providerId="ADAL" clId="{30EBAA48-D00D-436C-B3AC-B0E7F62EC0CE}" dt="2020-09-04T17:19:17.712" v="1550" actId="20577"/>
-          <ac:spMkLst>
-            <pc:docMk/>
-            <pc:sldMk cId="1659930921" sldId="256"/>
-            <ac:spMk id="6" creationId="{1EEBDA52-BE46-433D-AB6E-4D2949F916FF}"/>
-          </ac:spMkLst>
-        </pc:spChg>
-      </pc:sldChg>
-      <pc:sldChg chg="addSp delSp modSp">
-        <pc:chgData name="Md Kauser Ahmmed" userId="81e39d19-8d5c-4ffe-9a82-20799efac8e0" providerId="ADAL" clId="{30EBAA48-D00D-436C-B3AC-B0E7F62EC0CE}" dt="2020-09-04T17:06:27.336" v="625" actId="1076"/>
-        <pc:sldMkLst>
-          <pc:docMk/>
-          <pc:sldMk cId="4056875156" sldId="259"/>
-        </pc:sldMkLst>
-        <pc:spChg chg="mod">
-          <ac:chgData name="Md Kauser Ahmmed" userId="81e39d19-8d5c-4ffe-9a82-20799efac8e0" providerId="ADAL" clId="{30EBAA48-D00D-436C-B3AC-B0E7F62EC0CE}" dt="2020-09-04T17:05:11.935" v="619" actId="1035"/>
-          <ac:spMkLst>
-            <pc:docMk/>
-            <pc:sldMk cId="4056875156" sldId="259"/>
-            <ac:spMk id="2" creationId="{45F2AC63-EFDA-4E7C-A71C-7D3EE46A34E8}"/>
-          </ac:spMkLst>
-        </pc:spChg>
-        <pc:spChg chg="mod">
-          <ac:chgData name="Md Kauser Ahmmed" userId="81e39d19-8d5c-4ffe-9a82-20799efac8e0" providerId="ADAL" clId="{30EBAA48-D00D-436C-B3AC-B0E7F62EC0CE}" dt="2020-09-04T17:05:00.355" v="607" actId="20577"/>
-          <ac:spMkLst>
-            <pc:docMk/>
-            <pc:sldMk cId="4056875156" sldId="259"/>
-            <ac:spMk id="5" creationId="{3B3F8C9C-33C8-4308-AE5B-78786A407AED}"/>
-          </ac:spMkLst>
-        </pc:spChg>
-        <pc:graphicFrameChg chg="del">
-          <ac:chgData name="Md Kauser Ahmmed" userId="81e39d19-8d5c-4ffe-9a82-20799efac8e0" providerId="ADAL" clId="{30EBAA48-D00D-436C-B3AC-B0E7F62EC0CE}" dt="2020-09-04T17:03:47.949" v="309" actId="478"/>
-          <ac:graphicFrameMkLst>
-            <pc:docMk/>
-            <pc:sldMk cId="4056875156" sldId="259"/>
-            <ac:graphicFrameMk id="3" creationId="{D12EED76-112D-46B0-A106-5896D41AC26E}"/>
-          </ac:graphicFrameMkLst>
-        </pc:graphicFrameChg>
-        <pc:picChg chg="add mod">
-          <ac:chgData name="Md Kauser Ahmmed" userId="81e39d19-8d5c-4ffe-9a82-20799efac8e0" providerId="ADAL" clId="{30EBAA48-D00D-436C-B3AC-B0E7F62EC0CE}" dt="2020-09-04T17:06:27.336" v="625" actId="1076"/>
-          <ac:picMkLst>
-            <pc:docMk/>
-            <pc:sldMk cId="4056875156" sldId="259"/>
-            <ac:picMk id="6" creationId="{857A0EE1-9F4D-40BE-A91D-315A0B1C9A51}"/>
-          </ac:picMkLst>
-        </pc:picChg>
-      </pc:sldChg>
-      <pc:sldChg chg="modSp">
-        <pc:chgData name="Md Kauser Ahmmed" userId="81e39d19-8d5c-4ffe-9a82-20799efac8e0" providerId="ADAL" clId="{30EBAA48-D00D-436C-B3AC-B0E7F62EC0CE}" dt="2020-09-04T17:00:46.719" v="19" actId="20577"/>
-        <pc:sldMkLst>
-          <pc:docMk/>
-          <pc:sldMk cId="1010047731" sldId="271"/>
-        </pc:sldMkLst>
-        <pc:spChg chg="mod">
-          <ac:chgData name="Md Kauser Ahmmed" userId="81e39d19-8d5c-4ffe-9a82-20799efac8e0" providerId="ADAL" clId="{30EBAA48-D00D-436C-B3AC-B0E7F62EC0CE}" dt="2020-09-04T17:00:46.719" v="19" actId="20577"/>
-          <ac:spMkLst>
-            <pc:docMk/>
-            <pc:sldMk cId="1010047731" sldId="271"/>
-            <ac:spMk id="3" creationId="{771893B1-979C-4E59-951A-F29EB496A9C1}"/>
-          </ac:spMkLst>
-        </pc:spChg>
-      </pc:sldChg>
-      <pc:sldChg chg="del">
-        <pc:chgData name="Md Kauser Ahmmed" userId="81e39d19-8d5c-4ffe-9a82-20799efac8e0" providerId="ADAL" clId="{30EBAA48-D00D-436C-B3AC-B0E7F62EC0CE}" dt="2020-09-04T17:25:28.585" v="1702" actId="2696"/>
-        <pc:sldMkLst>
-          <pc:docMk/>
-          <pc:sldMk cId="1319027720" sldId="277"/>
-        </pc:sldMkLst>
-      </pc:sldChg>
-      <pc:sldChg chg="addSp delSp modSp">
-        <pc:chgData name="Md Kauser Ahmmed" userId="81e39d19-8d5c-4ffe-9a82-20799efac8e0" providerId="ADAL" clId="{30EBAA48-D00D-436C-B3AC-B0E7F62EC0CE}" dt="2020-09-04T17:27:46.801" v="1828" actId="20577"/>
-        <pc:sldMkLst>
-          <pc:docMk/>
-          <pc:sldMk cId="1891870474" sldId="284"/>
-        </pc:sldMkLst>
-        <pc:spChg chg="mod">
-          <ac:chgData name="Md Kauser Ahmmed" userId="81e39d19-8d5c-4ffe-9a82-20799efac8e0" providerId="ADAL" clId="{30EBAA48-D00D-436C-B3AC-B0E7F62EC0CE}" dt="2020-09-04T17:23:39.767" v="1602" actId="26606"/>
-          <ac:spMkLst>
-            <pc:docMk/>
-            <pc:sldMk cId="1891870474" sldId="284"/>
-            <ac:spMk id="2" creationId="{1706FC24-AA1D-4CDE-A461-17789365CC0D}"/>
-          </ac:spMkLst>
-        </pc:spChg>
-        <pc:spChg chg="add mod">
-          <ac:chgData name="Md Kauser Ahmmed" userId="81e39d19-8d5c-4ffe-9a82-20799efac8e0" providerId="ADAL" clId="{30EBAA48-D00D-436C-B3AC-B0E7F62EC0CE}" dt="2020-09-04T17:27:46.801" v="1828" actId="20577"/>
-          <ac:spMkLst>
-            <pc:docMk/>
-            <pc:sldMk cId="1891870474" sldId="284"/>
-            <ac:spMk id="5" creationId="{C94B69E8-D3E4-4987-BA3F-9A628ECE23B0}"/>
-          </ac:spMkLst>
-        </pc:spChg>
-        <pc:spChg chg="del">
-          <ac:chgData name="Md Kauser Ahmmed" userId="81e39d19-8d5c-4ffe-9a82-20799efac8e0" providerId="ADAL" clId="{30EBAA48-D00D-436C-B3AC-B0E7F62EC0CE}" dt="2020-09-04T17:23:39.767" v="1602" actId="26606"/>
-          <ac:spMkLst>
-            <pc:docMk/>
-            <pc:sldMk cId="1891870474" sldId="284"/>
-            <ac:spMk id="11" creationId="{594D6AA1-A0E1-45F9-8E25-BAB8092293CC}"/>
-          </ac:spMkLst>
-        </pc:spChg>
-        <pc:spChg chg="add">
-          <ac:chgData name="Md Kauser Ahmmed" userId="81e39d19-8d5c-4ffe-9a82-20799efac8e0" providerId="ADAL" clId="{30EBAA48-D00D-436C-B3AC-B0E7F62EC0CE}" dt="2020-09-04T17:23:39.767" v="1602" actId="26606"/>
-          <ac:spMkLst>
-            <pc:docMk/>
-            <pc:sldMk cId="1891870474" sldId="284"/>
-            <ac:spMk id="13" creationId="{53F29798-D584-4792-9B62-3F5F5C36D619}"/>
-          </ac:spMkLst>
-        </pc:spChg>
-        <pc:spChg chg="del">
-          <ac:chgData name="Md Kauser Ahmmed" userId="81e39d19-8d5c-4ffe-9a82-20799efac8e0" providerId="ADAL" clId="{30EBAA48-D00D-436C-B3AC-B0E7F62EC0CE}" dt="2020-09-04T17:20:36.365" v="1585" actId="478"/>
-          <ac:spMkLst>
-            <pc:docMk/>
-            <pc:sldMk cId="1891870474" sldId="284"/>
-            <ac:spMk id="15" creationId="{3A0FE97A-9B86-4A94-BFB9-CF69866376F5}"/>
-          </ac:spMkLst>
-        </pc:spChg>
-        <pc:graphicFrameChg chg="del">
-          <ac:chgData name="Md Kauser Ahmmed" userId="81e39d19-8d5c-4ffe-9a82-20799efac8e0" providerId="ADAL" clId="{30EBAA48-D00D-436C-B3AC-B0E7F62EC0CE}" dt="2020-09-04T17:20:33.302" v="1584" actId="478"/>
-          <ac:graphicFrameMkLst>
-            <pc:docMk/>
-            <pc:sldMk cId="1891870474" sldId="284"/>
-            <ac:graphicFrameMk id="6" creationId="{6BEC8AE8-700F-4481-99AE-0B23D2F93E1E}"/>
-          </ac:graphicFrameMkLst>
-        </pc:graphicFrameChg>
-        <pc:picChg chg="add mod">
-          <ac:chgData name="Md Kauser Ahmmed" userId="81e39d19-8d5c-4ffe-9a82-20799efac8e0" providerId="ADAL" clId="{30EBAA48-D00D-436C-B3AC-B0E7F62EC0CE}" dt="2020-09-04T17:23:44.210" v="1603" actId="1076"/>
-          <ac:picMkLst>
-            <pc:docMk/>
-            <pc:sldMk cId="1891870474" sldId="284"/>
-            <ac:picMk id="4" creationId="{9E4A5E19-FA61-498A-A0DC-E8D60EF47F0F}"/>
-          </ac:picMkLst>
-        </pc:picChg>
-      </pc:sldChg>
-      <pc:sldChg chg="del">
-        <pc:chgData name="Md Kauser Ahmmed" userId="81e39d19-8d5c-4ffe-9a82-20799efac8e0" providerId="ADAL" clId="{30EBAA48-D00D-436C-B3AC-B0E7F62EC0CE}" dt="2020-09-04T17:25:28.597" v="1703" actId="2696"/>
-        <pc:sldMkLst>
-          <pc:docMk/>
-          <pc:sldMk cId="3272573321" sldId="285"/>
-        </pc:sldMkLst>
-      </pc:sldChg>
-      <pc:sldChg chg="modSp add">
-        <pc:chgData name="Md Kauser Ahmmed" userId="81e39d19-8d5c-4ffe-9a82-20799efac8e0" providerId="ADAL" clId="{30EBAA48-D00D-436C-B3AC-B0E7F62EC0CE}" dt="2020-09-04T17:19:45.093" v="1555" actId="20577"/>
-        <pc:sldMkLst>
-          <pc:docMk/>
-          <pc:sldMk cId="4065790106" sldId="286"/>
-        </pc:sldMkLst>
-        <pc:spChg chg="mod">
-          <ac:chgData name="Md Kauser Ahmmed" userId="81e39d19-8d5c-4ffe-9a82-20799efac8e0" providerId="ADAL" clId="{30EBAA48-D00D-436C-B3AC-B0E7F62EC0CE}" dt="2020-09-04T17:19:45.093" v="1555" actId="20577"/>
-          <ac:spMkLst>
-            <pc:docMk/>
-            <pc:sldMk cId="4065790106" sldId="286"/>
-            <ac:spMk id="6" creationId="{1EEBDA52-BE46-433D-AB6E-4D2949F916FF}"/>
-          </ac:spMkLst>
-        </pc:spChg>
-      </pc:sldChg>
-      <pc:sldChg chg="modSp add">
-        <pc:chgData name="Md Kauser Ahmmed" userId="81e39d19-8d5c-4ffe-9a82-20799efac8e0" providerId="ADAL" clId="{30EBAA48-D00D-436C-B3AC-B0E7F62EC0CE}" dt="2020-09-04T17:20:04.603" v="1561" actId="207"/>
-        <pc:sldMkLst>
-          <pc:docMk/>
-          <pc:sldMk cId="4210391493" sldId="287"/>
-        </pc:sldMkLst>
-        <pc:spChg chg="mod">
-          <ac:chgData name="Md Kauser Ahmmed" userId="81e39d19-8d5c-4ffe-9a82-20799efac8e0" providerId="ADAL" clId="{30EBAA48-D00D-436C-B3AC-B0E7F62EC0CE}" dt="2020-09-04T17:20:04.603" v="1561" actId="207"/>
-          <ac:spMkLst>
-            <pc:docMk/>
-            <pc:sldMk cId="4210391493" sldId="287"/>
-            <ac:spMk id="6" creationId="{1EEBDA52-BE46-433D-AB6E-4D2949F916FF}"/>
-          </ac:spMkLst>
-        </pc:spChg>
-      </pc:sldChg>
-      <pc:sldChg chg="modSp add">
-        <pc:chgData name="Md Kauser Ahmmed" userId="81e39d19-8d5c-4ffe-9a82-20799efac8e0" providerId="ADAL" clId="{30EBAA48-D00D-436C-B3AC-B0E7F62EC0CE}" dt="2020-09-04T17:18:12.227" v="1503" actId="57"/>
-        <pc:sldMkLst>
-          <pc:docMk/>
-          <pc:sldMk cId="3020027435" sldId="288"/>
-        </pc:sldMkLst>
-        <pc:spChg chg="mod">
-          <ac:chgData name="Md Kauser Ahmmed" userId="81e39d19-8d5c-4ffe-9a82-20799efac8e0" providerId="ADAL" clId="{30EBAA48-D00D-436C-B3AC-B0E7F62EC0CE}" dt="2020-09-04T17:08:23.476" v="695" actId="20577"/>
-          <ac:spMkLst>
-            <pc:docMk/>
-            <pc:sldMk cId="3020027435" sldId="288"/>
-            <ac:spMk id="2" creationId="{11C6F554-558A-4032-B80E-4A49925BBC1F}"/>
-          </ac:spMkLst>
-        </pc:spChg>
-        <pc:spChg chg="mod">
-          <ac:chgData name="Md Kauser Ahmmed" userId="81e39d19-8d5c-4ffe-9a82-20799efac8e0" providerId="ADAL" clId="{30EBAA48-D00D-436C-B3AC-B0E7F62EC0CE}" dt="2020-09-04T17:18:12.227" v="1503" actId="57"/>
-          <ac:spMkLst>
-            <pc:docMk/>
-            <pc:sldMk cId="3020027435" sldId="288"/>
-            <ac:spMk id="3" creationId="{FFBD79E3-1E6C-466C-9014-4AD4B20A9108}"/>
-          </ac:spMkLst>
-        </pc:spChg>
-      </pc:sldChg>
-    </pc:docChg>
-  </pc:docChgLst>
-  <pc:docChgLst>
     <pc:chgData name="Md Kauser Ahmmed" userId="81e39d19-8d5c-4ffe-9a82-20799efac8e0" providerId="ADAL" clId="{3F1FE1C7-9C42-45CC-90F8-B1358FC05D8D}"/>
     <pc:docChg chg="modSld">
       <pc:chgData name="Md Kauser Ahmmed" userId="81e39d19-8d5c-4ffe-9a82-20799efac8e0" providerId="ADAL" clId="{3F1FE1C7-9C42-45CC-90F8-B1358FC05D8D}" dt="2021-04-25T22:43:54.803" v="521" actId="20577"/>
@@ -1959,7 +2172,7 @@
           <a:p>
             <a:fld id="{E0E6B7C7-F232-4E49-A950-FE41516D56E2}" type="datetimeFigureOut">
               <a:rPr lang="en-US" smtClean="0"/>
-              <a:t>4/30/2021</a:t>
+              <a:t>5/7/2021</a:t>
             </a:fld>
             <a:endParaRPr lang="en-US"/>
           </a:p>
@@ -3195,7 +3408,7 @@
           <a:p>
             <a:fld id="{9D01B9CF-4F71-45CB-B0F9-5377CB0F66EB}" type="datetimeFigureOut">
               <a:rPr lang="en-US" smtClean="0"/>
-              <a:t>4/30/2021</a:t>
+              <a:t>5/7/2021</a:t>
             </a:fld>
             <a:endParaRPr lang="en-US"/>
           </a:p>
@@ -3393,7 +3606,7 @@
           <a:p>
             <a:fld id="{9D01B9CF-4F71-45CB-B0F9-5377CB0F66EB}" type="datetimeFigureOut">
               <a:rPr lang="en-US" smtClean="0"/>
-              <a:t>4/30/2021</a:t>
+              <a:t>5/7/2021</a:t>
             </a:fld>
             <a:endParaRPr lang="en-US"/>
           </a:p>
@@ -3601,7 +3814,7 @@
           <a:p>
             <a:fld id="{9D01B9CF-4F71-45CB-B0F9-5377CB0F66EB}" type="datetimeFigureOut">
               <a:rPr lang="en-US" smtClean="0"/>
-              <a:t>4/30/2021</a:t>
+              <a:t>5/7/2021</a:t>
             </a:fld>
             <a:endParaRPr lang="en-US"/>
           </a:p>
@@ -3799,7 +4012,7 @@
           <a:p>
             <a:fld id="{9D01B9CF-4F71-45CB-B0F9-5377CB0F66EB}" type="datetimeFigureOut">
               <a:rPr lang="en-US" smtClean="0"/>
-              <a:t>4/30/2021</a:t>
+              <a:t>5/7/2021</a:t>
             </a:fld>
             <a:endParaRPr lang="en-US"/>
           </a:p>
@@ -4074,7 +4287,7 @@
           <a:p>
             <a:fld id="{9D01B9CF-4F71-45CB-B0F9-5377CB0F66EB}" type="datetimeFigureOut">
               <a:rPr lang="en-US" smtClean="0"/>
-              <a:t>4/30/2021</a:t>
+              <a:t>5/7/2021</a:t>
             </a:fld>
             <a:endParaRPr lang="en-US"/>
           </a:p>
@@ -4339,7 +4552,7 @@
           <a:p>
             <a:fld id="{9D01B9CF-4F71-45CB-B0F9-5377CB0F66EB}" type="datetimeFigureOut">
               <a:rPr lang="en-US" smtClean="0"/>
-              <a:t>4/30/2021</a:t>
+              <a:t>5/7/2021</a:t>
             </a:fld>
             <a:endParaRPr lang="en-US"/>
           </a:p>
@@ -4751,7 +4964,7 @@
           <a:p>
             <a:fld id="{9D01B9CF-4F71-45CB-B0F9-5377CB0F66EB}" type="datetimeFigureOut">
               <a:rPr lang="en-US" smtClean="0"/>
-              <a:t>4/30/2021</a:t>
+              <a:t>5/7/2021</a:t>
             </a:fld>
             <a:endParaRPr lang="en-US"/>
           </a:p>
@@ -4892,7 +5105,7 @@
           <a:p>
             <a:fld id="{9D01B9CF-4F71-45CB-B0F9-5377CB0F66EB}" type="datetimeFigureOut">
               <a:rPr lang="en-US" smtClean="0"/>
-              <a:t>4/30/2021</a:t>
+              <a:t>5/7/2021</a:t>
             </a:fld>
             <a:endParaRPr lang="en-US"/>
           </a:p>
@@ -5005,7 +5218,7 @@
           <a:p>
             <a:fld id="{9D01B9CF-4F71-45CB-B0F9-5377CB0F66EB}" type="datetimeFigureOut">
               <a:rPr lang="en-US" smtClean="0"/>
-              <a:t>4/30/2021</a:t>
+              <a:t>5/7/2021</a:t>
             </a:fld>
             <a:endParaRPr lang="en-US"/>
           </a:p>
@@ -5316,7 +5529,7 @@
           <a:p>
             <a:fld id="{9D01B9CF-4F71-45CB-B0F9-5377CB0F66EB}" type="datetimeFigureOut">
               <a:rPr lang="en-US" smtClean="0"/>
-              <a:t>4/30/2021</a:t>
+              <a:t>5/7/2021</a:t>
             </a:fld>
             <a:endParaRPr lang="en-US"/>
           </a:p>
@@ -5604,7 +5817,7 @@
           <a:p>
             <a:fld id="{9D01B9CF-4F71-45CB-B0F9-5377CB0F66EB}" type="datetimeFigureOut">
               <a:rPr lang="en-US" smtClean="0"/>
-              <a:t>4/30/2021</a:t>
+              <a:t>5/7/2021</a:t>
             </a:fld>
             <a:endParaRPr lang="en-US"/>
           </a:p>
@@ -5845,7 +6058,7 @@
           <a:p>
             <a:fld id="{9D01B9CF-4F71-45CB-B0F9-5377CB0F66EB}" type="datetimeFigureOut">
               <a:rPr lang="en-US" smtClean="0"/>
-              <a:t>4/30/2021</a:t>
+              <a:t>5/7/2021</a:t>
             </a:fld>
             <a:endParaRPr lang="en-US"/>
           </a:p>
@@ -6464,10 +6677,10 @@
       </p:sp>
       <p:pic>
         <p:nvPicPr>
-          <p:cNvPr id="5" name="Content Placeholder 4" descr="Chart, histogram&#10;&#10;Description automatically generated">
+          <p:cNvPr id="8" name="Content Placeholder 7" descr="Chart, histogram&#10;&#10;Description automatically generated">
             <a:extLst>
               <a:ext uri="{FF2B5EF4-FFF2-40B4-BE49-F238E27FC236}">
-                <a16:creationId xmlns:a16="http://schemas.microsoft.com/office/drawing/2014/main" id="{F62B1966-6EEC-43F7-84E0-EA1B2169DAAB}"/>
+                <a16:creationId xmlns:a16="http://schemas.microsoft.com/office/drawing/2014/main" id="{578BDB98-2C4B-41A4-9C70-DA44316F7A83}"/>
               </a:ext>
             </a:extLst>
           </p:cNvPr>
@@ -6492,49 +6705,11 @@
         </p:blipFill>
         <p:spPr>
           <a:xfrm>
-            <a:off x="1470528" y="1675227"/>
-            <a:ext cx="9250943" cy="4394199"/>
+            <a:off x="1516703" y="1825625"/>
+            <a:ext cx="9158594" cy="4351338"/>
           </a:xfrm>
-          <a:prstGeom prst="rect">
-            <a:avLst/>
-          </a:prstGeom>
         </p:spPr>
       </p:pic>
-      <p:sp>
-        <p:nvSpPr>
-          <p:cNvPr id="7" name="TextBox 6">
-            <a:extLst>
-              <a:ext uri="{FF2B5EF4-FFF2-40B4-BE49-F238E27FC236}">
-                <a16:creationId xmlns:a16="http://schemas.microsoft.com/office/drawing/2014/main" id="{DB6042F0-E10C-4DD4-9591-CF63D40B5929}"/>
-              </a:ext>
-            </a:extLst>
-          </p:cNvPr>
-          <p:cNvSpPr txBox="1"/>
-          <p:nvPr/>
-        </p:nvSpPr>
-        <p:spPr>
-          <a:xfrm>
-            <a:off x="1100380" y="5929942"/>
-            <a:ext cx="10259878" cy="646331"/>
-          </a:xfrm>
-          <a:prstGeom prst="rect">
-            <a:avLst/>
-          </a:prstGeom>
-          <a:noFill/>
-        </p:spPr>
-        <p:txBody>
-          <a:bodyPr wrap="square" rtlCol="0">
-            <a:spAutoFit/>
-          </a:bodyPr>
-          <a:lstStyle/>
-          <a:p>
-            <a:r>
-              <a:rPr lang="en-US" dirty="0"/>
-              <a:t>For rank 0, vertices having 0 neighbors are iterated 1311993 times. Vertices having the number of neighbors more than 300 are very less frequent. The highest number of neighbors a vertex has is found to be 9609. </a:t>
-            </a:r>
-          </a:p>
-        </p:txBody>
-      </p:sp>
     </p:spTree>
     <p:extLst>
       <p:ext uri="{BB962C8B-B14F-4D97-AF65-F5344CB8AC3E}">
@@ -6681,10 +6856,10 @@
       </p:sp>
       <p:pic>
         <p:nvPicPr>
-          <p:cNvPr id="5" name="Content Placeholder 4" descr="Chart&#10;&#10;Description automatically generated">
+          <p:cNvPr id="8" name="Content Placeholder 7" descr="Chart&#10;&#10;Description automatically generated">
             <a:extLst>
               <a:ext uri="{FF2B5EF4-FFF2-40B4-BE49-F238E27FC236}">
-                <a16:creationId xmlns:a16="http://schemas.microsoft.com/office/drawing/2014/main" id="{2714B5EF-6099-4CE7-811F-F7BCA671BA60}"/>
+                <a16:creationId xmlns:a16="http://schemas.microsoft.com/office/drawing/2014/main" id="{173E3846-98AF-4900-A684-1775EDE6123E}"/>
               </a:ext>
             </a:extLst>
           </p:cNvPr>
@@ -6709,49 +6884,11 @@
         </p:blipFill>
         <p:spPr>
           <a:xfrm>
-            <a:off x="1470528" y="1675227"/>
-            <a:ext cx="9250943" cy="4394199"/>
+            <a:off x="1516703" y="1825625"/>
+            <a:ext cx="9158594" cy="4351338"/>
           </a:xfrm>
-          <a:prstGeom prst="rect">
-            <a:avLst/>
-          </a:prstGeom>
         </p:spPr>
       </p:pic>
-      <p:sp>
-        <p:nvSpPr>
-          <p:cNvPr id="7" name="TextBox 6">
-            <a:extLst>
-              <a:ext uri="{FF2B5EF4-FFF2-40B4-BE49-F238E27FC236}">
-                <a16:creationId xmlns:a16="http://schemas.microsoft.com/office/drawing/2014/main" id="{917B1247-B9E7-4617-BECD-49BD5173A822}"/>
-              </a:ext>
-            </a:extLst>
-          </p:cNvPr>
-          <p:cNvSpPr txBox="1"/>
-          <p:nvPr/>
-        </p:nvSpPr>
-        <p:spPr>
-          <a:xfrm>
-            <a:off x="1100380" y="5929942"/>
-            <a:ext cx="10259878" cy="646331"/>
-          </a:xfrm>
-          <a:prstGeom prst="rect">
-            <a:avLst/>
-          </a:prstGeom>
-          <a:noFill/>
-        </p:spPr>
-        <p:txBody>
-          <a:bodyPr wrap="square" rtlCol="0">
-            <a:spAutoFit/>
-          </a:bodyPr>
-          <a:lstStyle/>
-          <a:p>
-            <a:r>
-              <a:rPr lang="en-US" dirty="0"/>
-              <a:t>For rank 0, vertices having 0 neighbors are iterated 829278 times. Vertices having the number of neighbors more than 200 are very less frequent. The highest number of neighbors a vertex has is found to be 28576. </a:t>
-            </a:r>
-          </a:p>
-        </p:txBody>
-      </p:sp>
     </p:spTree>
     <p:extLst>
       <p:ext uri="{BB962C8B-B14F-4D97-AF65-F5344CB8AC3E}">
@@ -17606,7 +17743,7 @@
       </p:grpSpPr>
       <p:sp>
         <p:nvSpPr>
-          <p:cNvPr id="10" name="Rectangle 9">
+          <p:cNvPr id="19" name="Rectangle 14">
             <a:extLst>
               <a:ext uri="{FF2B5EF4-FFF2-40B4-BE49-F238E27FC236}">
                 <a16:creationId xmlns:a16="http://schemas.microsoft.com/office/drawing/2014/main" id="{A4AC5506-6312-4701-8D3C-40187889A947}"/>
@@ -17720,10 +17857,10 @@
       </p:sp>
       <p:pic>
         <p:nvPicPr>
-          <p:cNvPr id="5" name="Content Placeholder 4" descr="Chart, histogram&#10;&#10;Description automatically generated">
+          <p:cNvPr id="8" name="Content Placeholder 7" descr="Chart, histogram&#10;&#10;Description automatically generated">
             <a:extLst>
               <a:ext uri="{FF2B5EF4-FFF2-40B4-BE49-F238E27FC236}">
-                <a16:creationId xmlns:a16="http://schemas.microsoft.com/office/drawing/2014/main" id="{EEFDDC02-9CD2-44F7-9F0D-8417C900CFBA}"/>
+                <a16:creationId xmlns:a16="http://schemas.microsoft.com/office/drawing/2014/main" id="{BC1FC669-2B1B-4F8D-9B12-1502F4D90702}"/>
               </a:ext>
             </a:extLst>
           </p:cNvPr>
@@ -17748,7 +17885,7 @@
         </p:blipFill>
         <p:spPr>
           <a:xfrm>
-            <a:off x="1470528" y="1597737"/>
+            <a:off x="1470528" y="1675227"/>
             <a:ext cx="9250943" cy="4394199"/>
           </a:xfrm>
           <a:prstGeom prst="rect">
@@ -17756,41 +17893,6 @@
           </a:prstGeom>
         </p:spPr>
       </p:pic>
-      <p:sp>
-        <p:nvSpPr>
-          <p:cNvPr id="6" name="TextBox 5">
-            <a:extLst>
-              <a:ext uri="{FF2B5EF4-FFF2-40B4-BE49-F238E27FC236}">
-                <a16:creationId xmlns:a16="http://schemas.microsoft.com/office/drawing/2014/main" id="{433CAB71-81E0-4E11-8836-5A03EA92AF98}"/>
-              </a:ext>
-            </a:extLst>
-          </p:cNvPr>
-          <p:cNvSpPr txBox="1"/>
-          <p:nvPr/>
-        </p:nvSpPr>
-        <p:spPr>
-          <a:xfrm>
-            <a:off x="1100380" y="5929942"/>
-            <a:ext cx="10259878" cy="646331"/>
-          </a:xfrm>
-          <a:prstGeom prst="rect">
-            <a:avLst/>
-          </a:prstGeom>
-          <a:noFill/>
-        </p:spPr>
-        <p:txBody>
-          <a:bodyPr wrap="square" rtlCol="0">
-            <a:spAutoFit/>
-          </a:bodyPr>
-          <a:lstStyle/>
-          <a:p>
-            <a:r>
-              <a:rPr lang="en-US" dirty="0"/>
-              <a:t>For rank 0, vertices having 0 neighbors are iterated 1054733 times. Vertices having the number of neighbors more than 700 are very less. The highest number of neighbors a vertex has is found to be 2362. </a:t>
-            </a:r>
-          </a:p>
-        </p:txBody>
-      </p:sp>
     </p:spTree>
     <p:extLst>
       <p:ext uri="{BB962C8B-B14F-4D97-AF65-F5344CB8AC3E}">
@@ -17937,10 +18039,10 @@
       </p:sp>
       <p:pic>
         <p:nvPicPr>
-          <p:cNvPr id="5" name="Content Placeholder 4" descr="Chart&#10;&#10;Description automatically generated">
+          <p:cNvPr id="8" name="Content Placeholder 7" descr="Chart&#10;&#10;Description automatically generated">
             <a:extLst>
               <a:ext uri="{FF2B5EF4-FFF2-40B4-BE49-F238E27FC236}">
-                <a16:creationId xmlns:a16="http://schemas.microsoft.com/office/drawing/2014/main" id="{11706AC4-668D-4A40-86D9-221FFFFA5604}"/>
+                <a16:creationId xmlns:a16="http://schemas.microsoft.com/office/drawing/2014/main" id="{20EF345D-BC21-4313-9E76-150497BEB798}"/>
               </a:ext>
             </a:extLst>
           </p:cNvPr>
@@ -17965,49 +18067,11 @@
         </p:blipFill>
         <p:spPr>
           <a:xfrm>
-            <a:off x="1470528" y="1675227"/>
-            <a:ext cx="9250943" cy="4394199"/>
+            <a:off x="1516703" y="1825625"/>
+            <a:ext cx="9158594" cy="4351338"/>
           </a:xfrm>
-          <a:prstGeom prst="rect">
-            <a:avLst/>
-          </a:prstGeom>
         </p:spPr>
       </p:pic>
-      <p:sp>
-        <p:nvSpPr>
-          <p:cNvPr id="7" name="TextBox 6">
-            <a:extLst>
-              <a:ext uri="{FF2B5EF4-FFF2-40B4-BE49-F238E27FC236}">
-                <a16:creationId xmlns:a16="http://schemas.microsoft.com/office/drawing/2014/main" id="{47B0EFF6-844E-4C06-A6BA-0569FBC41C3D}"/>
-              </a:ext>
-            </a:extLst>
-          </p:cNvPr>
-          <p:cNvSpPr txBox="1"/>
-          <p:nvPr/>
-        </p:nvSpPr>
-        <p:spPr>
-          <a:xfrm>
-            <a:off x="1100380" y="5929942"/>
-            <a:ext cx="10259878" cy="646331"/>
-          </a:xfrm>
-          <a:prstGeom prst="rect">
-            <a:avLst/>
-          </a:prstGeom>
-          <a:noFill/>
-        </p:spPr>
-        <p:txBody>
-          <a:bodyPr wrap="square" rtlCol="0">
-            <a:spAutoFit/>
-          </a:bodyPr>
-          <a:lstStyle/>
-          <a:p>
-            <a:r>
-              <a:rPr lang="en-US" dirty="0"/>
-              <a:t>For rank 0, vertices having 0 neighbors are iterated 2424347 times. Vertices having the number of neighbors more than 400 are very less frequent. The highest number of neighbors a vertex has is found to be 4334. </a:t>
-            </a:r>
-          </a:p>
-        </p:txBody>
-      </p:sp>
     </p:spTree>
     <p:extLst>
       <p:ext uri="{BB962C8B-B14F-4D97-AF65-F5344CB8AC3E}">
